--- a/submission/05_キャンボルベニア_XXX_02_概要一枚資料.pptx
+++ b/submission/05_キャンボルベニア_XXX_02_概要一枚資料.pptx
@@ -2,14 +2,15 @@
 <file path=ppt/presentation.xml><?xml version="1.0" encoding="utf-8"?>
 <p:presentation xmlns:a="http://schemas.openxmlformats.org/drawingml/2006/main" xmlns:r="http://schemas.openxmlformats.org/officeDocument/2006/relationships" xmlns:p="http://schemas.openxmlformats.org/presentationml/2006/main" removePersonalInfoOnSave="1" strictFirstAndLastChars="0" saveSubsetFonts="1" autoCompressPictures="0">
   <p:sldMasterIdLst>
-    <p:sldMasterId id="2147483648" r:id="rId1"/>
+    <p:sldMasterId id="2147483648" r:id="rId4"/>
   </p:sldMasterIdLst>
   <p:notesMasterIdLst>
-    <p:notesMasterId r:id="rId4"/>
+    <p:notesMasterId r:id="rId8"/>
   </p:notesMasterIdLst>
   <p:sldIdLst>
-    <p:sldId id="256" r:id="rId2"/>
-    <p:sldId id="279" r:id="rId3"/>
+    <p:sldId id="256" r:id="rId5"/>
+    <p:sldId id="279" r:id="rId6"/>
+    <p:sldId id="280" r:id="rId7"/>
   </p:sldIdLst>
   <p:sldSz cx="12192000" cy="6858000"/>
   <p:notesSz cx="6737350" cy="9869488"/>
@@ -258,7 +259,7 @@
       </p15:sldGuideLst>
     </p:ext>
     <p:ext uri="GoogleSlidesCustomDataVersion2">
-      <go:slidesCustomData xmlns="" xmlns:go="http://customooxmlschemas.google.com/" xmlns:ahyp="http://schemas.microsoft.com/office/drawing/2018/hyperlinkcolor" xmlns:p15="http://schemas.microsoft.com/office/powerpoint/2012/main" xmlns:p14="http://schemas.microsoft.com/office/powerpoint/2010/main" xmlns:com="http://schemas.openxmlformats.org/drawingml/2006/compatibility" xmlns:pvml="urn:schemas-microsoft-com:office:powerpoint" xmlns:v="urn:schemas-microsoft-com:vml" xmlns:o="urn:schemas-microsoft-com:office:office" xmlns:dgm="http://schemas.openxmlformats.org/drawingml/2006/diagram" xmlns:c="http://schemas.openxmlformats.org/drawingml/2006/chart" xmlns:mv="urn:schemas-microsoft-com:mac:vml" xmlns:mc="http://schemas.openxmlformats.org/markup-compatibility/2006" r:id="rId19" roundtripDataSignature="AMtx7mhXupCiNgBvl1OtMgjqS8LvwBFzZg=="/>
+      <go:slidesCustomData xmlns:mc="http://schemas.openxmlformats.org/markup-compatibility/2006" xmlns:mv="urn:schemas-microsoft-com:mac:vml" xmlns:c="http://schemas.openxmlformats.org/drawingml/2006/chart" xmlns:dgm="http://schemas.openxmlformats.org/drawingml/2006/diagram" xmlns:o="urn:schemas-microsoft-com:office:office" xmlns:v="urn:schemas-microsoft-com:vml" xmlns:pvml="urn:schemas-microsoft-com:office:powerpoint" xmlns:com="http://schemas.openxmlformats.org/drawingml/2006/compatibility" xmlns:p14="http://schemas.microsoft.com/office/powerpoint/2010/main" xmlns:p15="http://schemas.microsoft.com/office/powerpoint/2012/main" xmlns:ahyp="http://schemas.microsoft.com/office/drawing/2018/hyperlinkcolor" xmlns:go="http://customooxmlschemas.google.com/" xmlns="" r:id="rId19" roundtripDataSignature="AMtx7mhXupCiNgBvl1OtMgjqS8LvwBFzZg=="/>
     </p:ext>
   </p:extLst>
 </p:presentation>
@@ -1568,6 +1569,115 @@
         </p:spPr>
       </p:sp>
     </p:spTree>
+  </p:cSld>
+  <p:clrMapOvr>
+    <a:masterClrMapping/>
+  </p:clrMapOvr>
+</p:notes>
+</file>
+
+<file path=ppt/notesSlides/notesSlide2.xml><?xml version="1.0" encoding="utf-8"?>
+<p:notes xmlns:a="http://schemas.openxmlformats.org/drawingml/2006/main" xmlns:r="http://schemas.openxmlformats.org/officeDocument/2006/relationships" xmlns:p="http://schemas.openxmlformats.org/presentationml/2006/main">
+  <p:cSld>
+    <p:spTree>
+      <p:nvGrpSpPr>
+        <p:cNvPr id="1" name=""/>
+        <p:cNvGrpSpPr/>
+        <p:nvPr/>
+      </p:nvGrpSpPr>
+      <p:grpSpPr>
+        <a:xfrm>
+          <a:off x="0" y="0"/>
+          <a:ext cx="0" cy="0"/>
+          <a:chOff x="0" y="0"/>
+          <a:chExt cx="0" cy="0"/>
+        </a:xfrm>
+      </p:grpSpPr>
+      <p:sp>
+        <p:nvSpPr>
+          <p:cNvPr id="2" name="Slide Image Placeholder 1"/>
+          <p:cNvSpPr>
+            <a:spLocks noGrp="1" noRot="1" noChangeAspect="1"/>
+          </p:cNvSpPr>
+          <p:nvPr>
+            <p:ph type="sldImg"/>
+          </p:nvPr>
+        </p:nvSpPr>
+        <p:spPr/>
+      </p:sp>
+      <p:sp>
+        <p:nvSpPr>
+          <p:cNvPr id="3" name="Notes Placeholder 2"/>
+          <p:cNvSpPr>
+            <a:spLocks noGrp="1"/>
+          </p:cNvSpPr>
+          <p:nvPr>
+            <p:ph type="body" idx="1"/>
+          </p:nvPr>
+        </p:nvSpPr>
+        <p:spPr/>
+        <p:txBody>
+          <a:bodyPr/>
+          <a:lstStyle/>
+          <a:p>
+            <a:endParaRPr lang="en-US" dirty="0"/>
+          </a:p>
+        </p:txBody>
+      </p:sp>
+      <p:sp>
+        <p:nvSpPr>
+          <p:cNvPr id="4" name="Slide Number Placeholder 3"/>
+          <p:cNvSpPr>
+            <a:spLocks noGrp="1"/>
+          </p:cNvSpPr>
+          <p:nvPr>
+            <p:ph type="sldNum" idx="12"/>
+          </p:nvPr>
+        </p:nvSpPr>
+        <p:spPr/>
+        <p:txBody>
+          <a:bodyPr/>
+          <a:lstStyle/>
+          <a:p>
+            <a:pPr marL="0" marR="0" lvl="0" indent="0" algn="r" rtl="0">
+              <a:spcBef>
+                <a:spcPts val="0"/>
+              </a:spcBef>
+              <a:spcAft>
+                <a:spcPts val="0"/>
+              </a:spcAft>
+              <a:buNone/>
+            </a:pPr>
+            <a:fld id="{00000000-1234-1234-1234-123412341234}" type="slidenum">
+              <a:rPr lang="en-US" altLang="ja-JP" sz="1200" b="0" i="0" u="none" strike="noStrike" cap="none" smtClean="0">
+                <a:solidFill>
+                  <a:schemeClr val="dk1"/>
+                </a:solidFill>
+                <a:latin typeface="Arial"/>
+                <a:ea typeface="Arial"/>
+                <a:cs typeface="Arial"/>
+                <a:sym typeface="Arial"/>
+              </a:rPr>
+              <a:t>3</a:t>
+            </a:fld>
+            <a:endParaRPr lang="en-US" sz="1200" b="0" i="0" u="none" strike="noStrike" cap="none">
+              <a:solidFill>
+                <a:schemeClr val="dk1"/>
+              </a:solidFill>
+              <a:latin typeface="Arial"/>
+              <a:ea typeface="Arial"/>
+              <a:cs typeface="Arial"/>
+              <a:sym typeface="Arial"/>
+            </a:endParaRPr>
+          </a:p>
+        </p:txBody>
+      </p:sp>
+    </p:spTree>
+    <p:extLst>
+      <p:ext uri="{BB962C8B-B14F-4D97-AF65-F5344CB8AC3E}">
+        <p14:creationId xmlns:p14="http://schemas.microsoft.com/office/powerpoint/2010/main" val="3997600633"/>
+      </p:ext>
+    </p:extLst>
   </p:cSld>
   <p:clrMapOvr>
     <a:masterClrMapping/>
@@ -12952,6 +13062,938 @@
 </p:sld>
 </file>
 
+<file path=ppt/slides/slide3.xml><?xml version="1.0" encoding="utf-8"?>
+<p:sld xmlns:a="http://schemas.openxmlformats.org/drawingml/2006/main" xmlns:r="http://schemas.openxmlformats.org/officeDocument/2006/relationships" xmlns:p="http://schemas.openxmlformats.org/presentationml/2006/main">
+  <p:cSld>
+    <p:spTree>
+      <p:nvGrpSpPr>
+        <p:cNvPr id="1" name="">
+          <a:extLst>
+            <a:ext uri="{FF2B5EF4-FFF2-40B4-BE49-F238E27FC236}">
+              <a16:creationId xmlns:a16="http://schemas.microsoft.com/office/drawing/2014/main" id="{116A3230-D2B0-9391-B6E4-27E9CA01F667}"/>
+            </a:ext>
+          </a:extLst>
+        </p:cNvPr>
+        <p:cNvGrpSpPr/>
+        <p:nvPr/>
+      </p:nvGrpSpPr>
+      <p:grpSpPr>
+        <a:xfrm>
+          <a:off x="0" y="0"/>
+          <a:ext cx="0" cy="0"/>
+          <a:chOff x="0" y="0"/>
+          <a:chExt cx="0" cy="0"/>
+        </a:xfrm>
+      </p:grpSpPr>
+      <p:sp>
+        <p:nvSpPr>
+          <p:cNvPr id="3" name="テキスト ボックス 2">
+            <a:extLst>
+              <a:ext uri="{FF2B5EF4-FFF2-40B4-BE49-F238E27FC236}">
+                <a16:creationId xmlns:a16="http://schemas.microsoft.com/office/drawing/2014/main" id="{A783A916-293A-A2F2-3151-66FAC5FB5D1B}"/>
+              </a:ext>
+            </a:extLst>
+          </p:cNvPr>
+          <p:cNvSpPr txBox="1"/>
+          <p:nvPr/>
+        </p:nvSpPr>
+        <p:spPr>
+          <a:xfrm>
+            <a:off x="0" y="130573"/>
+            <a:ext cx="10515600" cy="584775"/>
+          </a:xfrm>
+          <a:prstGeom prst="rect">
+            <a:avLst/>
+          </a:prstGeom>
+          <a:noFill/>
+        </p:spPr>
+        <p:txBody>
+          <a:bodyPr wrap="square">
+            <a:spAutoFit/>
+          </a:bodyPr>
+          <a:lstStyle/>
+          <a:p>
+            <a:r>
+              <a:rPr lang="ja-JP" altLang="en-US" sz="1600" b="1">
+                <a:latin typeface="游ゴシック" panose="020B0400000000000000" pitchFamily="50" charset="-128"/>
+                <a:ea typeface="游ゴシック" panose="020B0400000000000000" pitchFamily="50" charset="-128"/>
+              </a:rPr>
+              <a:t>作品名：法制</a:t>
+            </a:r>
+            <a:r>
+              <a:rPr lang="en-AU" altLang="ja-JP" sz="1600" b="1" dirty="0">
+                <a:latin typeface="游ゴシック" panose="020B0400000000000000" pitchFamily="50" charset="-128"/>
+                <a:ea typeface="游ゴシック" panose="020B0400000000000000" pitchFamily="50" charset="-128"/>
+              </a:rPr>
+              <a:t>Copilot</a:t>
+            </a:r>
+          </a:p>
+          <a:p>
+            <a:r>
+              <a:rPr lang="ja-JP" altLang="en-US" sz="1600" b="1">
+                <a:latin typeface="游ゴシック" panose="020B0400000000000000" pitchFamily="50" charset="-128"/>
+                <a:ea typeface="游ゴシック" panose="020B0400000000000000" pitchFamily="50" charset="-128"/>
+              </a:rPr>
+              <a:t>チーム名：キャンボルベニア</a:t>
+            </a:r>
+          </a:p>
+        </p:txBody>
+      </p:sp>
+      <p:sp>
+        <p:nvSpPr>
+          <p:cNvPr id="7" name="コンテンツ プレースホルダー 6">
+            <a:extLst>
+              <a:ext uri="{FF2B5EF4-FFF2-40B4-BE49-F238E27FC236}">
+                <a16:creationId xmlns:a16="http://schemas.microsoft.com/office/drawing/2014/main" id="{4142176D-D6D0-1C0F-FA0B-8B07F448C54C}"/>
+              </a:ext>
+            </a:extLst>
+          </p:cNvPr>
+          <p:cNvSpPr>
+            <a:spLocks noGrp="1"/>
+          </p:cNvSpPr>
+          <p:nvPr>
+            <p:ph idx="1"/>
+          </p:nvPr>
+        </p:nvSpPr>
+        <p:spPr>
+          <a:xfrm>
+            <a:off x="368557" y="964067"/>
+            <a:ext cx="5299788" cy="4569493"/>
+          </a:xfrm>
+        </p:spPr>
+        <p:txBody>
+          <a:bodyPr>
+            <a:normAutofit/>
+          </a:bodyPr>
+          <a:lstStyle/>
+          <a:p>
+            <a:pPr marL="114300" indent="0" algn="l">
+              <a:lnSpc>
+                <a:spcPct val="100000"/>
+              </a:lnSpc>
+              <a:buNone/>
+            </a:pPr>
+            <a:r>
+              <a:rPr lang="ja-JP" altLang="en-US" sz="1400" b="1" i="0">
+                <a:solidFill>
+                  <a:srgbClr val="1A1A1C"/>
+                </a:solidFill>
+                <a:effectLst/>
+                <a:latin typeface="游ゴシック" panose="020B0400000000000000" pitchFamily="50" charset="-128"/>
+                <a:ea typeface="游ゴシック" panose="020B0400000000000000" pitchFamily="50" charset="-128"/>
+              </a:rPr>
+              <a:t>作品の概要</a:t>
+            </a:r>
+          </a:p>
+          <a:p>
+            <a:pPr marL="542925" lvl="1" indent="-285750" algn="l">
+              <a:lnSpc>
+                <a:spcPct val="100000"/>
+              </a:lnSpc>
+              <a:buFont typeface="Arial" panose="020B0604020202020204" pitchFamily="34" charset="0"/>
+              <a:buChar char="•"/>
+            </a:pPr>
+            <a:r>
+              <a:rPr lang="ja-JP" altLang="en-US" sz="1400" i="0">
+                <a:solidFill>
+                  <a:srgbClr val="1A1A1C"/>
+                </a:solidFill>
+                <a:effectLst/>
+                <a:latin typeface="游ゴシック"/>
+                <a:ea typeface="游ゴシック"/>
+              </a:rPr>
+              <a:t>法制事務員のため、法案作成効率化を提供する作品。</a:t>
+            </a:r>
+          </a:p>
+          <a:p>
+            <a:pPr marL="114300" indent="0" algn="l">
+              <a:lnSpc>
+                <a:spcPct val="100000"/>
+              </a:lnSpc>
+              <a:buNone/>
+            </a:pPr>
+            <a:r>
+              <a:rPr lang="ja-JP" altLang="en-US" sz="1400" b="1">
+                <a:solidFill>
+                  <a:srgbClr val="1A1A1C"/>
+                </a:solidFill>
+                <a:latin typeface="游ゴシック" panose="020B0400000000000000" pitchFamily="50" charset="-128"/>
+                <a:ea typeface="游ゴシック" panose="020B0400000000000000" pitchFamily="50" charset="-128"/>
+              </a:rPr>
+              <a:t>社会に対して生み出す価値</a:t>
+            </a:r>
+            <a:endParaRPr lang="en-US" altLang="ja-JP" sz="1400" b="1" dirty="0">
+              <a:solidFill>
+                <a:srgbClr val="1A1A1C"/>
+              </a:solidFill>
+              <a:latin typeface="游ゴシック" panose="020B0400000000000000" pitchFamily="50" charset="-128"/>
+              <a:ea typeface="游ゴシック" panose="020B0400000000000000" pitchFamily="50" charset="-128"/>
+            </a:endParaRPr>
+          </a:p>
+          <a:p>
+            <a:pPr marL="628650" lvl="1">
+              <a:lnSpc>
+                <a:spcPct val="100000"/>
+              </a:lnSpc>
+              <a:buFont typeface="Arial" panose="020B0604020202020204" pitchFamily="34" charset="0"/>
+              <a:buChar char="•"/>
+            </a:pPr>
+            <a:r>
+              <a:rPr lang="ja-JP" altLang="en-US" sz="1400" i="0">
+                <a:solidFill>
+                  <a:srgbClr val="1A1A1C"/>
+                </a:solidFill>
+                <a:effectLst/>
+                <a:latin typeface="游ゴシック"/>
+                <a:ea typeface="游ゴシック"/>
+              </a:rPr>
+              <a:t>現在、</a:t>
+            </a:r>
+            <a:r>
+              <a:rPr lang="ja-JP" altLang="en-AU" sz="1400" i="0">
+                <a:solidFill>
+                  <a:srgbClr val="1A1A1C"/>
+                </a:solidFill>
+                <a:effectLst/>
+                <a:latin typeface="游ゴシック"/>
+                <a:ea typeface="游ゴシック"/>
+              </a:rPr>
+              <a:t>法案作成に</a:t>
+            </a:r>
+            <a:r>
+              <a:rPr lang="ja-JP" altLang="en-US" sz="1400">
+                <a:solidFill>
+                  <a:srgbClr val="1A1A1C"/>
+                </a:solidFill>
+                <a:latin typeface="游ゴシック"/>
+                <a:ea typeface="游ゴシック"/>
+              </a:rPr>
+              <a:t>は多くの時間がかるうえ、自動化可能な作業に労力を取られ、肝心な部分でミスが多発しているという課題が存在。</a:t>
+            </a:r>
+            <a:endParaRPr lang="en-US" altLang="ja-JP" sz="1400" dirty="0">
+              <a:solidFill>
+                <a:srgbClr val="1A1A1C"/>
+              </a:solidFill>
+              <a:latin typeface="游ゴシック"/>
+              <a:ea typeface="游ゴシック"/>
+            </a:endParaRPr>
+          </a:p>
+          <a:p>
+            <a:pPr marL="628650" lvl="1">
+              <a:lnSpc>
+                <a:spcPct val="100000"/>
+              </a:lnSpc>
+              <a:buFont typeface="Arial" panose="020B0604020202020204" pitchFamily="34" charset="0"/>
+              <a:buChar char="•"/>
+            </a:pPr>
+            <a:r>
+              <a:rPr lang="ja-JP" altLang="en-US" sz="1400">
+                <a:solidFill>
+                  <a:srgbClr val="1A1A1C"/>
+                </a:solidFill>
+                <a:latin typeface="游ゴシック"/>
+                <a:ea typeface="游ゴシック"/>
+              </a:rPr>
+              <a:t>本作品により、</a:t>
+            </a:r>
+            <a:r>
+              <a:rPr lang="en-US" altLang="ja-JP" sz="1400" i="0" dirty="0">
+                <a:solidFill>
+                  <a:srgbClr val="1A1A1C"/>
+                </a:solidFill>
+                <a:effectLst/>
+                <a:latin typeface="游ゴシック"/>
+                <a:ea typeface="游ゴシック"/>
+              </a:rPr>
+              <a:t> </a:t>
+            </a:r>
+            <a:r>
+              <a:rPr lang="ja-JP" altLang="en-US" sz="1400" i="0">
+                <a:solidFill>
+                  <a:srgbClr val="1A1A1C"/>
+                </a:solidFill>
+                <a:effectLst/>
+                <a:latin typeface="游ゴシック"/>
+                <a:ea typeface="游ゴシック"/>
+              </a:rPr>
+              <a:t>業務効率化による労働時間の削減と正確性の向上が可能となり、働き方改革の実現や法案作成に携わる人の増加が期待できる。</a:t>
+            </a:r>
+            <a:endParaRPr lang="en-US" altLang="ja-JP" sz="1400" dirty="0">
+              <a:solidFill>
+                <a:srgbClr val="1A1A1C"/>
+              </a:solidFill>
+              <a:latin typeface="游ゴシック"/>
+              <a:ea typeface="游ゴシック"/>
+            </a:endParaRPr>
+          </a:p>
+          <a:p>
+            <a:pPr marL="114300" indent="0" algn="l">
+              <a:lnSpc>
+                <a:spcPct val="100000"/>
+              </a:lnSpc>
+              <a:buNone/>
+            </a:pPr>
+            <a:r>
+              <a:rPr lang="ja-JP" altLang="en-US" sz="1400" b="1">
+                <a:solidFill>
+                  <a:srgbClr val="1A1A1C"/>
+                </a:solidFill>
+                <a:latin typeface="游ゴシック"/>
+                <a:ea typeface="游ゴシック"/>
+              </a:rPr>
+              <a:t>新規性等</a:t>
+            </a:r>
+            <a:endParaRPr lang="ja-JP" altLang="en-US" sz="1400" b="1" i="0">
+              <a:solidFill>
+                <a:srgbClr val="1A1A1C"/>
+              </a:solidFill>
+              <a:effectLst/>
+              <a:latin typeface="游ゴシック"/>
+              <a:ea typeface="游ゴシック"/>
+            </a:endParaRPr>
+          </a:p>
+          <a:p>
+            <a:pPr marL="542925" lvl="1" indent="-285750">
+              <a:lnSpc>
+                <a:spcPct val="100000"/>
+              </a:lnSpc>
+              <a:buFont typeface="Arial" panose="020B0604020202020204" pitchFamily="34" charset="0"/>
+              <a:buChar char="•"/>
+            </a:pPr>
+            <a:r>
+              <a:rPr lang="ja-JP" altLang="en-US" sz="1400" i="0">
+                <a:solidFill>
+                  <a:srgbClr val="1A1A1C"/>
+                </a:solidFill>
+                <a:effectLst/>
+                <a:latin typeface="游ゴシック"/>
+                <a:ea typeface="游ゴシック"/>
+              </a:rPr>
+              <a:t>本作品は、</a:t>
+            </a:r>
+            <a:r>
+              <a:rPr lang="en-AU" altLang="ja-JP" sz="1400" i="0" dirty="0">
+                <a:solidFill>
+                  <a:srgbClr val="1A1A1C"/>
+                </a:solidFill>
+                <a:effectLst/>
+                <a:latin typeface="游ゴシック"/>
+                <a:ea typeface="游ゴシック"/>
+              </a:rPr>
+              <a:t>LLM/RAG</a:t>
+            </a:r>
+            <a:r>
+              <a:rPr lang="ja-JP" altLang="en-US" sz="1400" i="0">
+                <a:solidFill>
+                  <a:srgbClr val="1A1A1C"/>
+                </a:solidFill>
+                <a:effectLst/>
+                <a:latin typeface="游ゴシック"/>
+                <a:ea typeface="游ゴシック"/>
+              </a:rPr>
+              <a:t>の使用の点で</a:t>
+            </a:r>
+            <a:r>
+              <a:rPr lang="ja-JP" altLang="en-US" sz="1400">
+                <a:solidFill>
+                  <a:srgbClr val="1A1A1C"/>
+                </a:solidFill>
+                <a:latin typeface="游ゴシック"/>
+                <a:ea typeface="游ゴシック"/>
+              </a:rPr>
+              <a:t>革新的な</a:t>
+            </a:r>
+            <a:r>
+              <a:rPr lang="ja-JP" altLang="en-US" sz="1400" i="0">
+                <a:solidFill>
+                  <a:srgbClr val="1A1A1C"/>
+                </a:solidFill>
+                <a:effectLst/>
+                <a:latin typeface="游ゴシック"/>
+                <a:ea typeface="游ゴシック"/>
+              </a:rPr>
+              <a:t>作品。</a:t>
+            </a:r>
+            <a:endParaRPr lang="en-US" altLang="ja-JP" sz="1400" i="0" dirty="0">
+              <a:solidFill>
+                <a:srgbClr val="1A1A1C"/>
+              </a:solidFill>
+              <a:effectLst/>
+              <a:latin typeface="游ゴシック"/>
+              <a:ea typeface="游ゴシック"/>
+            </a:endParaRPr>
+          </a:p>
+          <a:p>
+            <a:pPr marL="542925" lvl="1" indent="-285750">
+              <a:lnSpc>
+                <a:spcPct val="100000"/>
+              </a:lnSpc>
+              <a:buFont typeface="Arial" panose="020B0604020202020204" pitchFamily="34" charset="0"/>
+              <a:buChar char="•"/>
+            </a:pPr>
+            <a:r>
+              <a:rPr lang="en-AU" altLang="ja-JP" sz="1400" i="0" dirty="0">
+                <a:solidFill>
+                  <a:srgbClr val="1A1A1C"/>
+                </a:solidFill>
+                <a:effectLst/>
+                <a:latin typeface="游ゴシック"/>
+                <a:ea typeface="游ゴシック"/>
+              </a:rPr>
+              <a:t>Retrieval-Augmented Generation (RAG) </a:t>
+            </a:r>
+            <a:r>
+              <a:rPr lang="ja-JP" altLang="en-US" sz="1400" i="0">
+                <a:solidFill>
+                  <a:srgbClr val="1A1A1C"/>
+                </a:solidFill>
+                <a:effectLst/>
+                <a:latin typeface="游ゴシック"/>
+                <a:ea typeface="游ゴシック"/>
+              </a:rPr>
+              <a:t>を利用し、</a:t>
+            </a:r>
+            <a:r>
+              <a:rPr lang="en-US" altLang="ja-JP" sz="1400" i="0" dirty="0">
+                <a:solidFill>
+                  <a:srgbClr val="1A1A1C"/>
+                </a:solidFill>
+                <a:effectLst/>
+                <a:latin typeface="游ゴシック"/>
+                <a:ea typeface="游ゴシック"/>
+              </a:rPr>
+              <a:t> </a:t>
+            </a:r>
+            <a:r>
+              <a:rPr lang="ja-JP" altLang="en-US" sz="1400" i="0">
+                <a:solidFill>
+                  <a:srgbClr val="1A1A1C"/>
+                </a:solidFill>
+                <a:effectLst/>
+                <a:latin typeface="游ゴシック"/>
+                <a:ea typeface="游ゴシック"/>
+              </a:rPr>
+              <a:t>法令データ</a:t>
+            </a:r>
+            <a:r>
+              <a:rPr lang="en-AU" altLang="ja-JP" sz="1400" i="0" dirty="0">
+                <a:solidFill>
+                  <a:srgbClr val="1A1A1C"/>
+                </a:solidFill>
+                <a:effectLst/>
+                <a:latin typeface="游ゴシック"/>
+                <a:ea typeface="游ゴシック"/>
+              </a:rPr>
+              <a:t>/</a:t>
+            </a:r>
+            <a:r>
+              <a:rPr lang="ja-JP" altLang="en-US" sz="1400" i="0">
+                <a:solidFill>
+                  <a:srgbClr val="1A1A1C"/>
+                </a:solidFill>
+                <a:effectLst/>
+                <a:latin typeface="游ゴシック"/>
+                <a:ea typeface="游ゴシック"/>
+              </a:rPr>
+              <a:t>法令</a:t>
+            </a:r>
+            <a:r>
+              <a:rPr lang="en-US" altLang="ja-JP" sz="1400" i="0" dirty="0">
+                <a:solidFill>
+                  <a:srgbClr val="1A1A1C"/>
+                </a:solidFill>
+                <a:effectLst/>
+                <a:latin typeface="游ゴシック"/>
+                <a:ea typeface="游ゴシック"/>
+              </a:rPr>
+              <a:t>API</a:t>
+            </a:r>
+            <a:r>
+              <a:rPr lang="ja-JP" altLang="en-US" sz="1400" i="0">
+                <a:solidFill>
+                  <a:srgbClr val="1A1A1C"/>
+                </a:solidFill>
+                <a:effectLst/>
+                <a:latin typeface="游ゴシック"/>
+                <a:ea typeface="游ゴシック"/>
+              </a:rPr>
+              <a:t>を</a:t>
+            </a:r>
+            <a:r>
+              <a:rPr lang="en-AU" altLang="ja-JP" sz="1400" i="0" dirty="0">
+                <a:solidFill>
+                  <a:srgbClr val="1A1A1C"/>
+                </a:solidFill>
+                <a:effectLst/>
+                <a:latin typeface="游ゴシック"/>
+                <a:ea typeface="游ゴシック"/>
+              </a:rPr>
+              <a:t>LLM</a:t>
+            </a:r>
+            <a:r>
+              <a:rPr lang="ja-JP" altLang="en-US" sz="1400" i="0">
+                <a:solidFill>
+                  <a:srgbClr val="1A1A1C"/>
+                </a:solidFill>
+                <a:effectLst/>
+                <a:latin typeface="游ゴシック"/>
+                <a:ea typeface="游ゴシック"/>
+              </a:rPr>
+              <a:t>の正確な法令の参照に活用 。</a:t>
+            </a:r>
+            <a:endParaRPr lang="en-US" altLang="ja-JP" sz="1400" i="0" dirty="0">
+              <a:solidFill>
+                <a:srgbClr val="1A1A1C"/>
+              </a:solidFill>
+              <a:effectLst/>
+              <a:latin typeface="游ゴシック"/>
+              <a:ea typeface="游ゴシック"/>
+            </a:endParaRPr>
+          </a:p>
+          <a:p>
+            <a:pPr marL="742950" lvl="1" indent="-285750">
+              <a:lnSpc>
+                <a:spcPct val="100000"/>
+              </a:lnSpc>
+              <a:buFont typeface="Arial" panose="020B0604020202020204" pitchFamily="34" charset="0"/>
+              <a:buChar char="•"/>
+            </a:pPr>
+            <a:endParaRPr lang="en-US" altLang="ja-JP" sz="1400" i="0" dirty="0">
+              <a:solidFill>
+                <a:srgbClr val="1A1A1C"/>
+              </a:solidFill>
+              <a:effectLst/>
+              <a:latin typeface="游ゴシック" panose="020B0400000000000000" pitchFamily="50" charset="-128"/>
+              <a:ea typeface="游ゴシック" panose="020B0400000000000000" pitchFamily="50" charset="-128"/>
+            </a:endParaRPr>
+          </a:p>
+          <a:p>
+            <a:pPr marL="457200" lvl="1" indent="0" algn="l">
+              <a:buNone/>
+            </a:pPr>
+            <a:endParaRPr lang="ja-JP" altLang="en-US" sz="1400" i="0">
+              <a:solidFill>
+                <a:srgbClr val="1A1A1C"/>
+              </a:solidFill>
+              <a:effectLst/>
+              <a:latin typeface="游ゴシック" panose="020B0400000000000000" pitchFamily="50" charset="-128"/>
+              <a:ea typeface="游ゴシック" panose="020B0400000000000000" pitchFamily="50" charset="-128"/>
+            </a:endParaRPr>
+          </a:p>
+        </p:txBody>
+      </p:sp>
+      <p:sp>
+        <p:nvSpPr>
+          <p:cNvPr id="16" name="スライド番号プレースホルダー 15">
+            <a:extLst>
+              <a:ext uri="{FF2B5EF4-FFF2-40B4-BE49-F238E27FC236}">
+                <a16:creationId xmlns:a16="http://schemas.microsoft.com/office/drawing/2014/main" id="{587AC825-65C8-2AB5-213F-45AB0ABD42E6}"/>
+              </a:ext>
+            </a:extLst>
+          </p:cNvPr>
+          <p:cNvSpPr>
+            <a:spLocks noGrp="1"/>
+          </p:cNvSpPr>
+          <p:nvPr>
+            <p:ph type="sldNum" sz="quarter" idx="12"/>
+          </p:nvPr>
+        </p:nvSpPr>
+        <p:spPr/>
+        <p:txBody>
+          <a:bodyPr/>
+          <a:lstStyle/>
+          <a:p>
+            <a:fld id="{0A14CB4C-3E9A-44E6-B2F0-D1DF20F35EC2}" type="slidenum">
+              <a:rPr kumimoji="1" lang="ja-JP" altLang="en-US" smtClean="0"/>
+              <a:t>3</a:t>
+            </a:fld>
+            <a:endParaRPr kumimoji="1" lang="ja-JP" altLang="en-US"/>
+          </a:p>
+        </p:txBody>
+      </p:sp>
+      <p:sp>
+        <p:nvSpPr>
+          <p:cNvPr id="5" name="コンテンツ プレースホルダー 3">
+            <a:extLst>
+              <a:ext uri="{FF2B5EF4-FFF2-40B4-BE49-F238E27FC236}">
+                <a16:creationId xmlns:a16="http://schemas.microsoft.com/office/drawing/2014/main" id="{F0FD8107-0616-EE79-297A-AAC73CCA958A}"/>
+              </a:ext>
+            </a:extLst>
+          </p:cNvPr>
+          <p:cNvSpPr txBox="1">
+            <a:spLocks/>
+          </p:cNvSpPr>
+          <p:nvPr/>
+        </p:nvSpPr>
+        <p:spPr>
+          <a:xfrm>
+            <a:off x="5850294" y="1186656"/>
+            <a:ext cx="5710335" cy="4287499"/>
+          </a:xfrm>
+          <a:prstGeom prst="rect">
+            <a:avLst/>
+          </a:prstGeom>
+          <a:solidFill>
+            <a:schemeClr val="bg1">
+              <a:lumMod val="95000"/>
+            </a:schemeClr>
+          </a:solidFill>
+          <a:ln>
+            <a:noFill/>
+          </a:ln>
+        </p:spPr>
+        <p:txBody>
+          <a:bodyPr spcFirstLastPara="1" wrap="square" lIns="91425" tIns="45700" rIns="91425" bIns="45700" anchor="ctr" anchorCtr="0">
+            <a:normAutofit/>
+          </a:bodyPr>
+          <a:lstStyle>
+            <a:defPPr marR="0" lvl="0" algn="l" rtl="0">
+              <a:lnSpc>
+                <a:spcPct val="100000"/>
+              </a:lnSpc>
+              <a:spcBef>
+                <a:spcPts val="0"/>
+              </a:spcBef>
+              <a:spcAft>
+                <a:spcPts val="0"/>
+              </a:spcAft>
+            </a:defPPr>
+            <a:lvl1pPr marL="457200" marR="0" lvl="0" indent="-342900" algn="l" rtl="0">
+              <a:lnSpc>
+                <a:spcPct val="90000"/>
+              </a:lnSpc>
+              <a:spcBef>
+                <a:spcPts val="1000"/>
+              </a:spcBef>
+              <a:spcAft>
+                <a:spcPts val="0"/>
+              </a:spcAft>
+              <a:buClr>
+                <a:schemeClr val="dk1"/>
+              </a:buClr>
+              <a:buSzPts val="1800"/>
+              <a:buFont typeface="Arial"/>
+              <a:buChar char="•"/>
+              <a:defRPr sz="2800" b="0" i="0" u="none" strike="noStrike" cap="none">
+                <a:solidFill>
+                  <a:schemeClr val="dk1"/>
+                </a:solidFill>
+                <a:latin typeface="Arial"/>
+                <a:ea typeface="Arial"/>
+                <a:cs typeface="Arial"/>
+                <a:sym typeface="Arial"/>
+              </a:defRPr>
+            </a:lvl1pPr>
+            <a:lvl2pPr marL="914400" marR="0" lvl="1" indent="-342900" algn="l" rtl="0">
+              <a:lnSpc>
+                <a:spcPct val="90000"/>
+              </a:lnSpc>
+              <a:spcBef>
+                <a:spcPts val="500"/>
+              </a:spcBef>
+              <a:spcAft>
+                <a:spcPts val="0"/>
+              </a:spcAft>
+              <a:buClr>
+                <a:schemeClr val="dk1"/>
+              </a:buClr>
+              <a:buSzPts val="1800"/>
+              <a:buFont typeface="Arial"/>
+              <a:buChar char="•"/>
+              <a:defRPr sz="2800" b="0" i="0" u="none" strike="noStrike" cap="none">
+                <a:solidFill>
+                  <a:schemeClr val="dk1"/>
+                </a:solidFill>
+                <a:latin typeface="Arial"/>
+                <a:ea typeface="Arial"/>
+                <a:cs typeface="Arial"/>
+                <a:sym typeface="Arial"/>
+              </a:defRPr>
+            </a:lvl2pPr>
+            <a:lvl3pPr marL="1371600" marR="0" lvl="2" indent="-342900" algn="l" rtl="0">
+              <a:lnSpc>
+                <a:spcPct val="90000"/>
+              </a:lnSpc>
+              <a:spcBef>
+                <a:spcPts val="500"/>
+              </a:spcBef>
+              <a:spcAft>
+                <a:spcPts val="0"/>
+              </a:spcAft>
+              <a:buClr>
+                <a:schemeClr val="dk1"/>
+              </a:buClr>
+              <a:buSzPts val="1800"/>
+              <a:buFont typeface="Arial"/>
+              <a:buChar char="•"/>
+              <a:defRPr sz="2800" b="0" i="0" u="none" strike="noStrike" cap="none">
+                <a:solidFill>
+                  <a:schemeClr val="dk1"/>
+                </a:solidFill>
+                <a:latin typeface="Arial"/>
+                <a:ea typeface="Arial"/>
+                <a:cs typeface="Arial"/>
+                <a:sym typeface="Arial"/>
+              </a:defRPr>
+            </a:lvl3pPr>
+            <a:lvl4pPr marL="1828800" marR="0" lvl="3" indent="-342900" algn="l" rtl="0">
+              <a:lnSpc>
+                <a:spcPct val="90000"/>
+              </a:lnSpc>
+              <a:spcBef>
+                <a:spcPts val="500"/>
+              </a:spcBef>
+              <a:spcAft>
+                <a:spcPts val="0"/>
+              </a:spcAft>
+              <a:buClr>
+                <a:schemeClr val="dk1"/>
+              </a:buClr>
+              <a:buSzPts val="1800"/>
+              <a:buFont typeface="Arial"/>
+              <a:buChar char="•"/>
+              <a:defRPr sz="2800" b="0" i="0" u="none" strike="noStrike" cap="none">
+                <a:solidFill>
+                  <a:schemeClr val="dk1"/>
+                </a:solidFill>
+                <a:latin typeface="Arial"/>
+                <a:ea typeface="Arial"/>
+                <a:cs typeface="Arial"/>
+                <a:sym typeface="Arial"/>
+              </a:defRPr>
+            </a:lvl4pPr>
+            <a:lvl5pPr marL="2286000" marR="0" lvl="4" indent="-342900" algn="l" rtl="0">
+              <a:lnSpc>
+                <a:spcPct val="90000"/>
+              </a:lnSpc>
+              <a:spcBef>
+                <a:spcPts val="500"/>
+              </a:spcBef>
+              <a:spcAft>
+                <a:spcPts val="0"/>
+              </a:spcAft>
+              <a:buClr>
+                <a:schemeClr val="dk1"/>
+              </a:buClr>
+              <a:buSzPts val="1800"/>
+              <a:buFont typeface="Arial"/>
+              <a:buChar char="•"/>
+              <a:defRPr sz="2800" b="0" i="0" u="none" strike="noStrike" cap="none">
+                <a:solidFill>
+                  <a:schemeClr val="dk1"/>
+                </a:solidFill>
+                <a:latin typeface="Arial"/>
+                <a:ea typeface="Arial"/>
+                <a:cs typeface="Arial"/>
+                <a:sym typeface="Arial"/>
+              </a:defRPr>
+            </a:lvl5pPr>
+            <a:lvl6pPr marL="2743200" marR="0" lvl="5" indent="-342900" algn="l" rtl="0">
+              <a:lnSpc>
+                <a:spcPct val="90000"/>
+              </a:lnSpc>
+              <a:spcBef>
+                <a:spcPts val="500"/>
+              </a:spcBef>
+              <a:spcAft>
+                <a:spcPts val="0"/>
+              </a:spcAft>
+              <a:buClr>
+                <a:schemeClr val="dk1"/>
+              </a:buClr>
+              <a:buSzPts val="1800"/>
+              <a:buFont typeface="Arial"/>
+              <a:buChar char="•"/>
+              <a:defRPr sz="1800" b="0" i="0" u="none" strike="noStrike" cap="none">
+                <a:solidFill>
+                  <a:schemeClr val="dk1"/>
+                </a:solidFill>
+                <a:latin typeface="Arial"/>
+                <a:ea typeface="Arial"/>
+                <a:cs typeface="Arial"/>
+                <a:sym typeface="Arial"/>
+              </a:defRPr>
+            </a:lvl6pPr>
+            <a:lvl7pPr marL="3200400" marR="0" lvl="6" indent="-342900" algn="l" rtl="0">
+              <a:lnSpc>
+                <a:spcPct val="90000"/>
+              </a:lnSpc>
+              <a:spcBef>
+                <a:spcPts val="500"/>
+              </a:spcBef>
+              <a:spcAft>
+                <a:spcPts val="0"/>
+              </a:spcAft>
+              <a:buClr>
+                <a:schemeClr val="dk1"/>
+              </a:buClr>
+              <a:buSzPts val="1800"/>
+              <a:buFont typeface="Arial"/>
+              <a:buChar char="•"/>
+              <a:defRPr sz="1800" b="0" i="0" u="none" strike="noStrike" cap="none">
+                <a:solidFill>
+                  <a:schemeClr val="dk1"/>
+                </a:solidFill>
+                <a:latin typeface="Arial"/>
+                <a:ea typeface="Arial"/>
+                <a:cs typeface="Arial"/>
+                <a:sym typeface="Arial"/>
+              </a:defRPr>
+            </a:lvl7pPr>
+            <a:lvl8pPr marL="3657600" marR="0" lvl="7" indent="-342900" algn="l" rtl="0">
+              <a:lnSpc>
+                <a:spcPct val="90000"/>
+              </a:lnSpc>
+              <a:spcBef>
+                <a:spcPts val="500"/>
+              </a:spcBef>
+              <a:spcAft>
+                <a:spcPts val="0"/>
+              </a:spcAft>
+              <a:buClr>
+                <a:schemeClr val="dk1"/>
+              </a:buClr>
+              <a:buSzPts val="1800"/>
+              <a:buFont typeface="Arial"/>
+              <a:buChar char="•"/>
+              <a:defRPr sz="1800" b="0" i="0" u="none" strike="noStrike" cap="none">
+                <a:solidFill>
+                  <a:schemeClr val="dk1"/>
+                </a:solidFill>
+                <a:latin typeface="Arial"/>
+                <a:ea typeface="Arial"/>
+                <a:cs typeface="Arial"/>
+                <a:sym typeface="Arial"/>
+              </a:defRPr>
+            </a:lvl8pPr>
+            <a:lvl9pPr marL="4114800" marR="0" lvl="8" indent="-342900" algn="l" rtl="0">
+              <a:lnSpc>
+                <a:spcPct val="90000"/>
+              </a:lnSpc>
+              <a:spcBef>
+                <a:spcPts val="500"/>
+              </a:spcBef>
+              <a:spcAft>
+                <a:spcPts val="0"/>
+              </a:spcAft>
+              <a:buClr>
+                <a:schemeClr val="dk1"/>
+              </a:buClr>
+              <a:buSzPts val="1800"/>
+              <a:buFont typeface="Arial"/>
+              <a:buChar char="•"/>
+              <a:defRPr sz="1800" b="0" i="0" u="none" strike="noStrike" cap="none">
+                <a:solidFill>
+                  <a:schemeClr val="dk1"/>
+                </a:solidFill>
+                <a:latin typeface="Arial"/>
+                <a:ea typeface="Arial"/>
+                <a:cs typeface="Arial"/>
+                <a:sym typeface="Arial"/>
+              </a:defRPr>
+            </a:lvl9pPr>
+          </a:lstStyle>
+          <a:p>
+            <a:pPr marL="0" indent="0" algn="ctr">
+              <a:buFont typeface="Arial"/>
+              <a:buNone/>
+            </a:pPr>
+            <a:r>
+              <a:rPr lang="en-US" altLang="ja-JP">
+                <a:latin typeface="游ゴシック" panose="020B0400000000000000" pitchFamily="50" charset="-128"/>
+                <a:ea typeface="游ゴシック" panose="020B0400000000000000" pitchFamily="50" charset="-128"/>
+              </a:rPr>
+              <a:t>※※</a:t>
+            </a:r>
+            <a:r>
+              <a:rPr lang="ja-JP" altLang="en-US">
+                <a:latin typeface="游ゴシック" panose="020B0400000000000000" pitchFamily="50" charset="-128"/>
+                <a:ea typeface="游ゴシック" panose="020B0400000000000000" pitchFamily="50" charset="-128"/>
+              </a:rPr>
+              <a:t>こちらにスクリーンショットを１枚貼り付けてください</a:t>
+            </a:r>
+            <a:r>
+              <a:rPr lang="en-US" altLang="ja-JP">
+                <a:latin typeface="游ゴシック" panose="020B0400000000000000" pitchFamily="50" charset="-128"/>
+                <a:ea typeface="游ゴシック" panose="020B0400000000000000" pitchFamily="50" charset="-128"/>
+              </a:rPr>
+              <a:t>※※</a:t>
+            </a:r>
+            <a:endParaRPr lang="ja-JP" altLang="en-US">
+              <a:latin typeface="游ゴシック" panose="020B0400000000000000" pitchFamily="50" charset="-128"/>
+              <a:ea typeface="游ゴシック" panose="020B0400000000000000" pitchFamily="50" charset="-128"/>
+            </a:endParaRPr>
+          </a:p>
+          <a:p>
+            <a:pPr marL="0" indent="0">
+              <a:buFont typeface="Arial"/>
+              <a:buNone/>
+            </a:pPr>
+            <a:endParaRPr lang="ja-JP" altLang="en-US">
+              <a:latin typeface="游ゴシック" panose="020B0400000000000000" pitchFamily="50" charset="-128"/>
+              <a:ea typeface="游ゴシック" panose="020B0400000000000000" pitchFamily="50" charset="-128"/>
+            </a:endParaRPr>
+          </a:p>
+        </p:txBody>
+      </p:sp>
+      <p:sp>
+        <p:nvSpPr>
+          <p:cNvPr id="10" name="テキスト ボックス 9">
+            <a:extLst>
+              <a:ext uri="{FF2B5EF4-FFF2-40B4-BE49-F238E27FC236}">
+                <a16:creationId xmlns:a16="http://schemas.microsoft.com/office/drawing/2014/main" id="{CA5CDDE7-576B-4B4D-3CD0-B2561E892E7C}"/>
+              </a:ext>
+            </a:extLst>
+          </p:cNvPr>
+          <p:cNvSpPr txBox="1"/>
+          <p:nvPr/>
+        </p:nvSpPr>
+        <p:spPr>
+          <a:xfrm>
+            <a:off x="7009233" y="878879"/>
+            <a:ext cx="3347745" cy="307777"/>
+          </a:xfrm>
+          <a:prstGeom prst="rect">
+            <a:avLst/>
+          </a:prstGeom>
+          <a:noFill/>
+        </p:spPr>
+        <p:txBody>
+          <a:bodyPr wrap="square">
+            <a:spAutoFit/>
+          </a:bodyPr>
+          <a:lstStyle/>
+          <a:p>
+            <a:pPr marL="742950" lvl="1" indent="-285750" algn="l">
+              <a:buFont typeface="Arial" panose="020B0604020202020204" pitchFamily="34" charset="0"/>
+              <a:buChar char="•"/>
+            </a:pPr>
+            <a:r>
+              <a:rPr lang="ja-JP" altLang="en-US" b="1" i="0">
+                <a:solidFill>
+                  <a:srgbClr val="1A1A1C"/>
+                </a:solidFill>
+                <a:effectLst/>
+                <a:latin typeface="Noto Sans JP" panose="020B0200000000000000"/>
+              </a:rPr>
+              <a:t>作品の画面イメージ</a:t>
+            </a:r>
+          </a:p>
+        </p:txBody>
+      </p:sp>
+    </p:spTree>
+    <p:extLst>
+      <p:ext uri="{BB962C8B-B14F-4D97-AF65-F5344CB8AC3E}">
+        <p14:creationId xmlns:p14="http://schemas.microsoft.com/office/powerpoint/2010/main" val="53337449"/>
+      </p:ext>
+    </p:extLst>
+  </p:cSld>
+  <p:clrMapOvr>
+    <a:masterClrMapping/>
+  </p:clrMapOvr>
+</p:sld>
+</file>
+
 <file path=ppt/theme/theme1.xml><?xml version="1.0" encoding="utf-8"?>
 <a:theme xmlns:a="http://schemas.openxmlformats.org/drawingml/2006/main" name="Office テーマ">
   <a:themeElements>
@@ -13515,6 +14557,26 @@
 </file>
 
 <file path=customXml/item1.xml><?xml version="1.0" encoding="utf-8"?>
+<p:properties xmlns:p="http://schemas.microsoft.com/office/2006/metadata/properties" xmlns:xsi="http://www.w3.org/2001/XMLSchema-instance" xmlns:pc="http://schemas.microsoft.com/office/infopath/2007/PartnerControls">
+  <documentManagement>
+    <lcf76f155ced4ddcb4097134ff3c332f xmlns="467a5a23-3b0c-4252-b767-9056ba4584e3">
+      <Terms xmlns="http://schemas.microsoft.com/office/infopath/2007/PartnerControls"/>
+    </lcf76f155ced4ddcb4097134ff3c332f>
+    <TaxCatchAll xmlns="b579cac8-893f-434a-a9fb-762ea7ef6130" xsi:nil="true"/>
+  </documentManagement>
+</p:properties>
+</file>
+
+<file path=customXml/item2.xml><?xml version="1.0" encoding="utf-8"?>
+<?mso-contentType ?>
+<FormTemplates xmlns="http://schemas.microsoft.com/sharepoint/v3/contenttype/forms">
+  <Display>DocumentLibraryForm</Display>
+  <Edit>DocumentLibraryForm</Edit>
+  <New>DocumentLibraryForm</New>
+</FormTemplates>
+</file>
+
+<file path=customXml/item3.xml><?xml version="1.0" encoding="utf-8"?>
 <ct:contentTypeSchema xmlns:ct="http://schemas.microsoft.com/office/2006/metadata/contentType" xmlns:ma="http://schemas.microsoft.com/office/2006/metadata/properties/metaAttributes" ct:_="" ma:_="" ma:contentTypeName="ドキュメント" ma:contentTypeID="0x01010010B7667276082546845EE48FA3034D38" ma:contentTypeVersion="15" ma:contentTypeDescription="新しいドキュメントを作成します。" ma:contentTypeScope="" ma:versionID="88d4b2f8b94d6e918a6309353f800a03">
   <xsd:schema xmlns:xsd="http://www.w3.org/2001/XMLSchema" xmlns:xs="http://www.w3.org/2001/XMLSchema" xmlns:p="http://schemas.microsoft.com/office/2006/metadata/properties" xmlns:ns2="467a5a23-3b0c-4252-b767-9056ba4584e3" xmlns:ns3="b579cac8-893f-434a-a9fb-762ea7ef6130" targetNamespace="http://schemas.microsoft.com/office/2006/metadata/properties" ma:root="true" ma:fieldsID="f62212ebdab41a5b3c8679463d3954d8" ns2:_="" ns3:_="">
     <xsd:import namespace="467a5a23-3b0c-4252-b767-9056ba4584e3"/>
@@ -13749,34 +14811,40 @@
 </ct:contentTypeSchema>
 </file>
 
-<file path=customXml/item2.xml><?xml version="1.0" encoding="utf-8"?>
-<?mso-contentType ?>
-<FormTemplates xmlns="http://schemas.microsoft.com/sharepoint/v3/contenttype/forms">
-  <Display>DocumentLibraryForm</Display>
-  <Edit>DocumentLibraryForm</Edit>
-  <New>DocumentLibraryForm</New>
-</FormTemplates>
-</file>
-
-<file path=customXml/item3.xml><?xml version="1.0" encoding="utf-8"?>
-<p:properties xmlns:p="http://schemas.microsoft.com/office/2006/metadata/properties" xmlns:xsi="http://www.w3.org/2001/XMLSchema-instance" xmlns:pc="http://schemas.microsoft.com/office/infopath/2007/PartnerControls">
-  <documentManagement>
-    <lcf76f155ced4ddcb4097134ff3c332f xmlns="467a5a23-3b0c-4252-b767-9056ba4584e3">
-      <Terms xmlns="http://schemas.microsoft.com/office/infopath/2007/PartnerControls"/>
-    </lcf76f155ced4ddcb4097134ff3c332f>
-    <TaxCatchAll xmlns="b579cac8-893f-434a-a9fb-762ea7ef6130" xsi:nil="true"/>
-  </documentManagement>
-</p:properties>
-</file>
-
 <file path=customXml/itemProps1.xml><?xml version="1.0" encoding="utf-8"?>
-<ds:datastoreItem xmlns:ds="http://schemas.openxmlformats.org/officeDocument/2006/customXml" ds:itemID="{CECB503C-A15D-44C9-B312-4481D4155FB9}"/>
+<ds:datastoreItem xmlns:ds="http://schemas.openxmlformats.org/officeDocument/2006/customXml" ds:itemID="{E4869AC1-A472-488C-82C9-D7ABE9FBEDDD}">
+  <ds:schemaRefs>
+    <ds:schemaRef ds:uri="http://schemas.microsoft.com/office/2006/metadata/properties"/>
+    <ds:schemaRef ds:uri="http://schemas.microsoft.com/office/infopath/2007/PartnerControls"/>
+    <ds:schemaRef ds:uri="467a5a23-3b0c-4252-b767-9056ba4584e3"/>
+    <ds:schemaRef ds:uri="b579cac8-893f-434a-a9fb-762ea7ef6130"/>
+  </ds:schemaRefs>
+</ds:datastoreItem>
 </file>
 
 <file path=customXml/itemProps2.xml><?xml version="1.0" encoding="utf-8"?>
-<ds:datastoreItem xmlns:ds="http://schemas.openxmlformats.org/officeDocument/2006/customXml" ds:itemID="{65E453EC-09A8-442A-B2C0-3D3DB8142F5F}"/>
+<ds:datastoreItem xmlns:ds="http://schemas.openxmlformats.org/officeDocument/2006/customXml" ds:itemID="{65E453EC-09A8-442A-B2C0-3D3DB8142F5F}">
+  <ds:schemaRefs>
+    <ds:schemaRef ds:uri="http://schemas.microsoft.com/sharepoint/v3/contenttype/forms"/>
+  </ds:schemaRefs>
+</ds:datastoreItem>
 </file>
 
 <file path=customXml/itemProps3.xml><?xml version="1.0" encoding="utf-8"?>
-<ds:datastoreItem xmlns:ds="http://schemas.openxmlformats.org/officeDocument/2006/customXml" ds:itemID="{E4869AC1-A472-488C-82C9-D7ABE9FBEDDD}"/>
+<ds:datastoreItem xmlns:ds="http://schemas.openxmlformats.org/officeDocument/2006/customXml" ds:itemID="{CECB503C-A15D-44C9-B312-4481D4155FB9}">
+  <ds:schemaRefs>
+    <ds:schemaRef ds:uri="http://schemas.microsoft.com/office/2006/metadata/contentType"/>
+    <ds:schemaRef ds:uri="http://schemas.microsoft.com/office/2006/metadata/properties/metaAttributes"/>
+    <ds:schemaRef ds:uri="http://www.w3.org/2001/XMLSchema"/>
+    <ds:schemaRef ds:uri="http://schemas.microsoft.com/office/2006/metadata/properties"/>
+    <ds:schemaRef ds:uri="467a5a23-3b0c-4252-b767-9056ba4584e3"/>
+    <ds:schemaRef ds:uri="b579cac8-893f-434a-a9fb-762ea7ef6130"/>
+    <ds:schemaRef ds:uri="http://schemas.microsoft.com/office/2006/documentManagement/types"/>
+    <ds:schemaRef ds:uri="http://schemas.microsoft.com/office/infopath/2007/PartnerControls"/>
+    <ds:schemaRef ds:uri="http://schemas.openxmlformats.org/package/2006/metadata/core-properties"/>
+    <ds:schemaRef ds:uri="http://purl.org/dc/elements/1.1/"/>
+    <ds:schemaRef ds:uri="http://purl.org/dc/terms/"/>
+    <ds:schemaRef ds:uri="http://schemas.microsoft.com/internal/obd"/>
+  </ds:schemaRefs>
+</ds:datastoreItem>
 </file>
--- a/submission/05_キャンボルベニア_XXX_02_概要一枚資料.pptx
+++ b/submission/05_キャンボルベニア_XXX_02_概要一枚資料.pptx
@@ -5,12 +5,11 @@
     <p:sldMasterId id="2147483648" r:id="rId4"/>
   </p:sldMasterIdLst>
   <p:notesMasterIdLst>
-    <p:notesMasterId r:id="rId8"/>
+    <p:notesMasterId r:id="rId7"/>
   </p:notesMasterIdLst>
   <p:sldIdLst>
     <p:sldId id="256" r:id="rId5"/>
-    <p:sldId id="279" r:id="rId6"/>
-    <p:sldId id="280" r:id="rId7"/>
+    <p:sldId id="280" r:id="rId6"/>
   </p:sldIdLst>
   <p:sldSz cx="12192000" cy="6858000"/>
   <p:notesSz cx="6737350" cy="9869488"/>
@@ -1658,7 +1657,7 @@
                 <a:cs typeface="Arial"/>
                 <a:sym typeface="Arial"/>
               </a:rPr>
-              <a:t>3</a:t>
+              <a:t>2</a:t>
             </a:fld>
             <a:endParaRPr lang="en-US" sz="1200" b="0" i="0" u="none" strike="noStrike" cap="none">
               <a:solidFill>
@@ -11722,1351 +11721,6 @@
   <p:cSld>
     <p:spTree>
       <p:nvGrpSpPr>
-        <p:cNvPr id="1" name=""/>
-        <p:cNvGrpSpPr/>
-        <p:nvPr/>
-      </p:nvGrpSpPr>
-      <p:grpSpPr>
-        <a:xfrm>
-          <a:off x="0" y="0"/>
-          <a:ext cx="0" cy="0"/>
-          <a:chOff x="0" y="0"/>
-          <a:chExt cx="0" cy="0"/>
-        </a:xfrm>
-      </p:grpSpPr>
-      <p:sp>
-        <p:nvSpPr>
-          <p:cNvPr id="3" name="テキスト ボックス 2">
-            <a:extLst>
-              <a:ext uri="{FF2B5EF4-FFF2-40B4-BE49-F238E27FC236}">
-                <a16:creationId xmlns:a16="http://schemas.microsoft.com/office/drawing/2014/main" id="{51D60B62-D5C6-61F0-46DF-98030C46B078}"/>
-              </a:ext>
-            </a:extLst>
-          </p:cNvPr>
-          <p:cNvSpPr txBox="1"/>
-          <p:nvPr/>
-        </p:nvSpPr>
-        <p:spPr>
-          <a:xfrm>
-            <a:off x="0" y="130573"/>
-            <a:ext cx="10515600" cy="584775"/>
-          </a:xfrm>
-          <a:prstGeom prst="rect">
-            <a:avLst/>
-          </a:prstGeom>
-          <a:noFill/>
-        </p:spPr>
-        <p:txBody>
-          <a:bodyPr wrap="square">
-            <a:spAutoFit/>
-          </a:bodyPr>
-          <a:lstStyle/>
-          <a:p>
-            <a:r>
-              <a:rPr lang="ja-JP" altLang="en-US" sz="1600" b="1">
-                <a:latin typeface="游ゴシック" panose="020B0400000000000000" pitchFamily="50" charset="-128"/>
-                <a:ea typeface="游ゴシック" panose="020B0400000000000000" pitchFamily="50" charset="-128"/>
-              </a:rPr>
-              <a:t>作品名：</a:t>
-            </a:r>
-            <a:r>
-              <a:rPr lang="en-US" altLang="ja-JP" sz="1600" b="1">
-                <a:latin typeface="游ゴシック" panose="020B0400000000000000" pitchFamily="50" charset="-128"/>
-                <a:ea typeface="游ゴシック" panose="020B0400000000000000" pitchFamily="50" charset="-128"/>
-              </a:rPr>
-              <a:t>【</a:t>
-            </a:r>
-            <a:r>
-              <a:rPr lang="ja-JP" altLang="en-US" sz="1600" b="1">
-                <a:latin typeface="游ゴシック" panose="020B0400000000000000" pitchFamily="50" charset="-128"/>
-                <a:ea typeface="游ゴシック" panose="020B0400000000000000" pitchFamily="50" charset="-128"/>
-              </a:rPr>
-              <a:t>作品名を記入してください</a:t>
-            </a:r>
-            <a:r>
-              <a:rPr lang="en-US" altLang="ja-JP" sz="1600" b="1">
-                <a:latin typeface="游ゴシック" panose="020B0400000000000000" pitchFamily="50" charset="-128"/>
-                <a:ea typeface="游ゴシック" panose="020B0400000000000000" pitchFamily="50" charset="-128"/>
-              </a:rPr>
-              <a:t>】</a:t>
-            </a:r>
-          </a:p>
-          <a:p>
-            <a:r>
-              <a:rPr lang="ja-JP" altLang="en-US" sz="1600" b="1">
-                <a:latin typeface="游ゴシック" panose="020B0400000000000000" pitchFamily="50" charset="-128"/>
-                <a:ea typeface="游ゴシック" panose="020B0400000000000000" pitchFamily="50" charset="-128"/>
-              </a:rPr>
-              <a:t>チーム名：</a:t>
-            </a:r>
-            <a:r>
-              <a:rPr lang="en-US" altLang="ja-JP" sz="1600" b="1">
-                <a:latin typeface="游ゴシック" panose="020B0400000000000000" pitchFamily="50" charset="-128"/>
-                <a:ea typeface="游ゴシック" panose="020B0400000000000000" pitchFamily="50" charset="-128"/>
-              </a:rPr>
-              <a:t>【</a:t>
-            </a:r>
-            <a:r>
-              <a:rPr lang="ja-JP" altLang="en-US" sz="1600" b="1">
-                <a:latin typeface="游ゴシック" panose="020B0400000000000000" pitchFamily="50" charset="-128"/>
-                <a:ea typeface="游ゴシック" panose="020B0400000000000000" pitchFamily="50" charset="-128"/>
-              </a:rPr>
-              <a:t>チーム名を記入してください</a:t>
-            </a:r>
-            <a:r>
-              <a:rPr lang="en-US" altLang="ja-JP" sz="1600" b="1">
-                <a:latin typeface="游ゴシック" panose="020B0400000000000000" pitchFamily="50" charset="-128"/>
-                <a:ea typeface="游ゴシック" panose="020B0400000000000000" pitchFamily="50" charset="-128"/>
-              </a:rPr>
-              <a:t>】</a:t>
-            </a:r>
-            <a:endParaRPr lang="ja-JP" altLang="en-US" sz="1600" b="1">
-              <a:latin typeface="游ゴシック" panose="020B0400000000000000" pitchFamily="50" charset="-128"/>
-              <a:ea typeface="游ゴシック" panose="020B0400000000000000" pitchFamily="50" charset="-128"/>
-            </a:endParaRPr>
-          </a:p>
-        </p:txBody>
-      </p:sp>
-      <p:sp>
-        <p:nvSpPr>
-          <p:cNvPr id="7" name="コンテンツ プレースホルダー 6">
-            <a:extLst>
-              <a:ext uri="{FF2B5EF4-FFF2-40B4-BE49-F238E27FC236}">
-                <a16:creationId xmlns:a16="http://schemas.microsoft.com/office/drawing/2014/main" id="{B16FE758-6D49-E55A-069A-BAF3186000E0}"/>
-              </a:ext>
-            </a:extLst>
-          </p:cNvPr>
-          <p:cNvSpPr>
-            <a:spLocks noGrp="1"/>
-          </p:cNvSpPr>
-          <p:nvPr>
-            <p:ph idx="1"/>
-          </p:nvPr>
-        </p:nvSpPr>
-        <p:spPr>
-          <a:xfrm>
-            <a:off x="368557" y="964067"/>
-            <a:ext cx="5299788" cy="4569493"/>
-          </a:xfrm>
-        </p:spPr>
-        <p:txBody>
-          <a:bodyPr>
-            <a:normAutofit/>
-          </a:bodyPr>
-          <a:lstStyle/>
-          <a:p>
-            <a:pPr marL="114300" indent="0" algn="l">
-              <a:lnSpc>
-                <a:spcPct val="100000"/>
-              </a:lnSpc>
-              <a:buNone/>
-            </a:pPr>
-            <a:r>
-              <a:rPr lang="ja-JP" altLang="en-US" sz="1400" b="1" i="0">
-                <a:solidFill>
-                  <a:srgbClr val="1A1A1C"/>
-                </a:solidFill>
-                <a:effectLst/>
-                <a:latin typeface="游ゴシック" panose="020B0400000000000000" pitchFamily="50" charset="-128"/>
-                <a:ea typeface="游ゴシック" panose="020B0400000000000000" pitchFamily="50" charset="-128"/>
-              </a:rPr>
-              <a:t>作品の概要</a:t>
-            </a:r>
-          </a:p>
-          <a:p>
-            <a:pPr marL="542925" lvl="1" indent="-285750" algn="l">
-              <a:lnSpc>
-                <a:spcPct val="100000"/>
-              </a:lnSpc>
-              <a:buFont typeface="Arial" panose="020B0604020202020204" pitchFamily="34" charset="0"/>
-              <a:buChar char="•"/>
-            </a:pPr>
-            <a:r>
-              <a:rPr lang="en-US" altLang="ja-JP" sz="1400" i="0">
-                <a:solidFill>
-                  <a:srgbClr val="1A1A1C"/>
-                </a:solidFill>
-                <a:effectLst/>
-                <a:latin typeface="游ゴシック"/>
-                <a:ea typeface="游ゴシック"/>
-              </a:rPr>
-              <a:t>[</a:t>
-            </a:r>
-            <a:r>
-              <a:rPr lang="ja-JP" altLang="en-US" sz="1400">
-                <a:solidFill>
-                  <a:srgbClr val="1A1A1C"/>
-                </a:solidFill>
-                <a:latin typeface="游ゴシック"/>
-                <a:ea typeface="游ゴシック"/>
-              </a:rPr>
-              <a:t>本作品の主なターゲット</a:t>
-            </a:r>
-            <a:r>
-              <a:rPr lang="en-US" altLang="ja-JP" sz="1400" i="0">
-                <a:solidFill>
-                  <a:srgbClr val="1A1A1C"/>
-                </a:solidFill>
-                <a:effectLst/>
-                <a:latin typeface="游ゴシック"/>
-                <a:ea typeface="游ゴシック"/>
-              </a:rPr>
-              <a:t>]</a:t>
-            </a:r>
-            <a:r>
-              <a:rPr lang="ja-JP" altLang="en-US" sz="1400" i="0">
-                <a:solidFill>
-                  <a:srgbClr val="1A1A1C"/>
-                </a:solidFill>
-                <a:effectLst/>
-                <a:latin typeface="游ゴシック"/>
-                <a:ea typeface="游ゴシック"/>
-              </a:rPr>
-              <a:t> のため、</a:t>
-            </a:r>
-            <a:r>
-              <a:rPr lang="en-US" altLang="ja-JP" sz="1400" i="0">
-                <a:solidFill>
-                  <a:srgbClr val="1A1A1C"/>
-                </a:solidFill>
-                <a:effectLst/>
-                <a:latin typeface="游ゴシック"/>
-                <a:ea typeface="游ゴシック"/>
-              </a:rPr>
-              <a:t> [</a:t>
-            </a:r>
-            <a:r>
-              <a:rPr lang="ja-JP" altLang="en-US" sz="1400" i="0">
-                <a:solidFill>
-                  <a:srgbClr val="1A1A1C"/>
-                </a:solidFill>
-                <a:effectLst/>
-                <a:latin typeface="游ゴシック"/>
-                <a:ea typeface="游ゴシック"/>
-              </a:rPr>
-              <a:t>本作品で提供する価値・機能</a:t>
-            </a:r>
-            <a:r>
-              <a:rPr lang="en-US" altLang="ja-JP" sz="1400" i="0">
-                <a:solidFill>
-                  <a:srgbClr val="1A1A1C"/>
-                </a:solidFill>
-                <a:effectLst/>
-                <a:latin typeface="游ゴシック"/>
-                <a:ea typeface="游ゴシック"/>
-              </a:rPr>
-              <a:t>]</a:t>
-            </a:r>
-            <a:r>
-              <a:rPr lang="ja-JP" altLang="en-US" sz="1400" i="0">
-                <a:solidFill>
-                  <a:srgbClr val="1A1A1C"/>
-                </a:solidFill>
-                <a:effectLst/>
-                <a:latin typeface="游ゴシック"/>
-                <a:ea typeface="游ゴシック"/>
-              </a:rPr>
-              <a:t>を提供する作品。</a:t>
-            </a:r>
-          </a:p>
-          <a:p>
-            <a:pPr marL="114300" indent="0" algn="l">
-              <a:lnSpc>
-                <a:spcPct val="100000"/>
-              </a:lnSpc>
-              <a:buNone/>
-            </a:pPr>
-            <a:r>
-              <a:rPr lang="ja-JP" altLang="en-US" sz="1400" b="1">
-                <a:solidFill>
-                  <a:srgbClr val="1A1A1C"/>
-                </a:solidFill>
-                <a:latin typeface="游ゴシック" panose="020B0400000000000000" pitchFamily="50" charset="-128"/>
-                <a:ea typeface="游ゴシック" panose="020B0400000000000000" pitchFamily="50" charset="-128"/>
-              </a:rPr>
-              <a:t>社会に対して生み出す価値</a:t>
-            </a:r>
-            <a:endParaRPr lang="en-US" altLang="ja-JP" sz="1400" b="1">
-              <a:solidFill>
-                <a:srgbClr val="1A1A1C"/>
-              </a:solidFill>
-              <a:latin typeface="游ゴシック" panose="020B0400000000000000" pitchFamily="50" charset="-128"/>
-              <a:ea typeface="游ゴシック" panose="020B0400000000000000" pitchFamily="50" charset="-128"/>
-            </a:endParaRPr>
-          </a:p>
-          <a:p>
-            <a:pPr marL="628650" lvl="1">
-              <a:lnSpc>
-                <a:spcPct val="100000"/>
-              </a:lnSpc>
-              <a:buFont typeface="Arial" panose="020B0604020202020204" pitchFamily="34" charset="0"/>
-              <a:buChar char="•"/>
-            </a:pPr>
-            <a:r>
-              <a:rPr lang="ja-JP" altLang="en-US" sz="1400" i="0">
-                <a:solidFill>
-                  <a:srgbClr val="1A1A1C"/>
-                </a:solidFill>
-                <a:effectLst/>
-                <a:latin typeface="游ゴシック"/>
-                <a:ea typeface="游ゴシック"/>
-              </a:rPr>
-              <a:t>現在、</a:t>
-            </a:r>
-            <a:r>
-              <a:rPr lang="en-US" altLang="ja-JP" sz="1400" i="0">
-                <a:solidFill>
-                  <a:srgbClr val="1A1A1C"/>
-                </a:solidFill>
-                <a:effectLst/>
-                <a:latin typeface="游ゴシック"/>
-                <a:ea typeface="游ゴシック"/>
-              </a:rPr>
-              <a:t>[</a:t>
-            </a:r>
-            <a:r>
-              <a:rPr lang="ja-JP" altLang="en-US" sz="1400" i="0">
-                <a:solidFill>
-                  <a:srgbClr val="1A1A1C"/>
-                </a:solidFill>
-                <a:effectLst/>
-                <a:latin typeface="游ゴシック"/>
-                <a:ea typeface="游ゴシック"/>
-              </a:rPr>
-              <a:t>課題・ニーズ等</a:t>
-            </a:r>
-            <a:r>
-              <a:rPr lang="en-US" altLang="ja-JP" sz="1400" i="0">
-                <a:solidFill>
-                  <a:srgbClr val="1A1A1C"/>
-                </a:solidFill>
-                <a:effectLst/>
-                <a:latin typeface="游ゴシック"/>
-                <a:ea typeface="游ゴシック"/>
-              </a:rPr>
-              <a:t>] </a:t>
-            </a:r>
-            <a:r>
-              <a:rPr lang="ja-JP" altLang="en-US" sz="1400">
-                <a:solidFill>
-                  <a:srgbClr val="1A1A1C"/>
-                </a:solidFill>
-                <a:latin typeface="游ゴシック"/>
-                <a:ea typeface="游ゴシック"/>
-              </a:rPr>
-              <a:t>が存在。</a:t>
-            </a:r>
-            <a:endParaRPr lang="en-US" altLang="ja-JP" sz="1400">
-              <a:solidFill>
-                <a:srgbClr val="1A1A1C"/>
-              </a:solidFill>
-              <a:latin typeface="游ゴシック"/>
-              <a:ea typeface="游ゴシック"/>
-            </a:endParaRPr>
-          </a:p>
-          <a:p>
-            <a:pPr marL="628650" lvl="1">
-              <a:lnSpc>
-                <a:spcPct val="100000"/>
-              </a:lnSpc>
-              <a:buFont typeface="Arial" panose="020B0604020202020204" pitchFamily="34" charset="0"/>
-              <a:buChar char="•"/>
-            </a:pPr>
-            <a:r>
-              <a:rPr lang="ja-JP" altLang="en-US" sz="1400">
-                <a:solidFill>
-                  <a:srgbClr val="1A1A1C"/>
-                </a:solidFill>
-                <a:latin typeface="游ゴシック"/>
-                <a:ea typeface="游ゴシック"/>
-              </a:rPr>
-              <a:t>本作品により、</a:t>
-            </a:r>
-            <a:r>
-              <a:rPr lang="en-US" altLang="ja-JP" sz="1400" i="0">
-                <a:solidFill>
-                  <a:srgbClr val="1A1A1C"/>
-                </a:solidFill>
-                <a:effectLst/>
-                <a:latin typeface="游ゴシック"/>
-                <a:ea typeface="游ゴシック"/>
-              </a:rPr>
-              <a:t> [</a:t>
-            </a:r>
-            <a:r>
-              <a:rPr lang="ja-JP" altLang="en-US" sz="1400" i="0">
-                <a:solidFill>
-                  <a:srgbClr val="1A1A1C"/>
-                </a:solidFill>
-                <a:effectLst/>
-                <a:latin typeface="游ゴシック"/>
-                <a:ea typeface="游ゴシック"/>
-              </a:rPr>
-              <a:t>本作品の実装で社会にもたらされる価値</a:t>
-            </a:r>
-            <a:r>
-              <a:rPr lang="en-US" altLang="ja-JP" sz="1400" i="0">
-                <a:solidFill>
-                  <a:srgbClr val="1A1A1C"/>
-                </a:solidFill>
-                <a:effectLst/>
-                <a:latin typeface="游ゴシック"/>
-                <a:ea typeface="游ゴシック"/>
-              </a:rPr>
-              <a:t>]</a:t>
-            </a:r>
-            <a:r>
-              <a:rPr lang="ja-JP" altLang="en-US" sz="1400" i="0">
-                <a:solidFill>
-                  <a:srgbClr val="1A1A1C"/>
-                </a:solidFill>
-                <a:effectLst/>
-                <a:latin typeface="游ゴシック"/>
-                <a:ea typeface="游ゴシック"/>
-              </a:rPr>
-              <a:t>が可能となる。</a:t>
-            </a:r>
-            <a:endParaRPr lang="en-US" altLang="ja-JP" sz="1400">
-              <a:solidFill>
-                <a:srgbClr val="1A1A1C"/>
-              </a:solidFill>
-              <a:latin typeface="游ゴシック"/>
-              <a:ea typeface="游ゴシック"/>
-            </a:endParaRPr>
-          </a:p>
-          <a:p>
-            <a:pPr marL="114300" indent="0" algn="l">
-              <a:lnSpc>
-                <a:spcPct val="100000"/>
-              </a:lnSpc>
-              <a:buNone/>
-            </a:pPr>
-            <a:r>
-              <a:rPr lang="ja-JP" altLang="en-US" sz="1400" b="1">
-                <a:solidFill>
-                  <a:srgbClr val="1A1A1C"/>
-                </a:solidFill>
-                <a:latin typeface="游ゴシック"/>
-                <a:ea typeface="游ゴシック"/>
-              </a:rPr>
-              <a:t>新規性等</a:t>
-            </a:r>
-            <a:endParaRPr lang="ja-JP" altLang="en-US" sz="1400" b="1" i="0">
-              <a:solidFill>
-                <a:srgbClr val="1A1A1C"/>
-              </a:solidFill>
-              <a:effectLst/>
-              <a:latin typeface="游ゴシック"/>
-              <a:ea typeface="游ゴシック"/>
-            </a:endParaRPr>
-          </a:p>
-          <a:p>
-            <a:pPr marL="542925" lvl="1" indent="-285750">
-              <a:lnSpc>
-                <a:spcPct val="100000"/>
-              </a:lnSpc>
-              <a:buFont typeface="Arial" panose="020B0604020202020204" pitchFamily="34" charset="0"/>
-              <a:buChar char="•"/>
-            </a:pPr>
-            <a:r>
-              <a:rPr lang="ja-JP" altLang="en-US" sz="1400" i="0">
-                <a:solidFill>
-                  <a:srgbClr val="1A1A1C"/>
-                </a:solidFill>
-                <a:effectLst/>
-                <a:latin typeface="游ゴシック"/>
-                <a:ea typeface="游ゴシック"/>
-              </a:rPr>
-              <a:t>本作品は、</a:t>
-            </a:r>
-            <a:r>
-              <a:rPr lang="en-US" altLang="ja-JP" sz="1400" i="0">
-                <a:solidFill>
-                  <a:srgbClr val="1A1A1C"/>
-                </a:solidFill>
-                <a:effectLst/>
-                <a:latin typeface="游ゴシック"/>
-                <a:ea typeface="游ゴシック"/>
-              </a:rPr>
-              <a:t>[</a:t>
-            </a:r>
-            <a:r>
-              <a:rPr lang="en-US" altLang="ja-JP" sz="1400">
-                <a:solidFill>
-                  <a:srgbClr val="1A1A1C"/>
-                </a:solidFill>
-                <a:latin typeface="游ゴシック"/>
-                <a:ea typeface="游ゴシック"/>
-              </a:rPr>
-              <a:t>アイデア、機能等で</a:t>
-            </a:r>
-            <a:r>
-              <a:rPr lang="ja-JP" altLang="en-US" sz="1400" i="0">
-                <a:solidFill>
-                  <a:srgbClr val="1A1A1C"/>
-                </a:solidFill>
-                <a:effectLst/>
-                <a:latin typeface="游ゴシック"/>
-                <a:ea typeface="游ゴシック"/>
-              </a:rPr>
-              <a:t>新規性に該当するもの</a:t>
-            </a:r>
-            <a:r>
-              <a:rPr lang="en-US" altLang="ja-JP" sz="1400" i="0">
-                <a:solidFill>
-                  <a:srgbClr val="1A1A1C"/>
-                </a:solidFill>
-                <a:effectLst/>
-                <a:latin typeface="游ゴシック"/>
-                <a:ea typeface="游ゴシック"/>
-              </a:rPr>
-              <a:t>]</a:t>
-            </a:r>
-            <a:r>
-              <a:rPr lang="ja-JP" altLang="en-US" sz="1400" i="0">
-                <a:solidFill>
-                  <a:srgbClr val="1A1A1C"/>
-                </a:solidFill>
-                <a:effectLst/>
-                <a:latin typeface="游ゴシック"/>
-                <a:ea typeface="游ゴシック"/>
-              </a:rPr>
-              <a:t>の点で</a:t>
-            </a:r>
-            <a:r>
-              <a:rPr lang="ja-JP" altLang="en-US" sz="1400">
-                <a:solidFill>
-                  <a:srgbClr val="1A1A1C"/>
-                </a:solidFill>
-                <a:latin typeface="游ゴシック"/>
-                <a:ea typeface="游ゴシック"/>
-              </a:rPr>
-              <a:t>革新的な</a:t>
-            </a:r>
-            <a:r>
-              <a:rPr lang="ja-JP" altLang="en-US" sz="1400" i="0">
-                <a:solidFill>
-                  <a:srgbClr val="1A1A1C"/>
-                </a:solidFill>
-                <a:effectLst/>
-                <a:latin typeface="游ゴシック"/>
-                <a:ea typeface="游ゴシック"/>
-              </a:rPr>
-              <a:t>作品。</a:t>
-            </a:r>
-            <a:endParaRPr lang="en-US" altLang="ja-JP" sz="1400" i="0">
-              <a:solidFill>
-                <a:srgbClr val="1A1A1C"/>
-              </a:solidFill>
-              <a:effectLst/>
-              <a:latin typeface="游ゴシック"/>
-              <a:ea typeface="游ゴシック"/>
-            </a:endParaRPr>
-          </a:p>
-          <a:p>
-            <a:pPr marL="542925" lvl="1" indent="-285750">
-              <a:lnSpc>
-                <a:spcPct val="100000"/>
-              </a:lnSpc>
-              <a:buFont typeface="Arial" panose="020B0604020202020204" pitchFamily="34" charset="0"/>
-              <a:buChar char="•"/>
-            </a:pPr>
-            <a:r>
-              <a:rPr lang="en-US" altLang="ja-JP" sz="1400" i="0">
-                <a:solidFill>
-                  <a:srgbClr val="1A1A1C"/>
-                </a:solidFill>
-                <a:effectLst/>
-                <a:latin typeface="游ゴシック"/>
-                <a:ea typeface="游ゴシック"/>
-              </a:rPr>
-              <a:t>[</a:t>
-            </a:r>
-            <a:r>
-              <a:rPr lang="ja-JP" altLang="en-US" sz="1400" i="0">
-                <a:solidFill>
-                  <a:srgbClr val="1A1A1C"/>
-                </a:solidFill>
-                <a:effectLst/>
-                <a:latin typeface="游ゴシック"/>
-                <a:ea typeface="游ゴシック"/>
-              </a:rPr>
-              <a:t>利用技術名</a:t>
-            </a:r>
-            <a:r>
-              <a:rPr lang="en-US" altLang="ja-JP" sz="1400" i="0">
-                <a:solidFill>
-                  <a:srgbClr val="1A1A1C"/>
-                </a:solidFill>
-                <a:effectLst/>
-                <a:latin typeface="游ゴシック"/>
-                <a:ea typeface="游ゴシック"/>
-              </a:rPr>
-              <a:t>]</a:t>
-            </a:r>
-            <a:r>
-              <a:rPr lang="ja-JP" altLang="en-US" sz="1400" i="0">
-                <a:solidFill>
-                  <a:srgbClr val="1A1A1C"/>
-                </a:solidFill>
-                <a:effectLst/>
-                <a:latin typeface="游ゴシック"/>
-                <a:ea typeface="游ゴシック"/>
-              </a:rPr>
-              <a:t> を利用し、</a:t>
-            </a:r>
-            <a:r>
-              <a:rPr lang="en-US" altLang="ja-JP" sz="1400" i="0">
-                <a:solidFill>
-                  <a:srgbClr val="1A1A1C"/>
-                </a:solidFill>
-                <a:effectLst/>
-                <a:latin typeface="游ゴシック"/>
-                <a:ea typeface="游ゴシック"/>
-              </a:rPr>
-              <a:t> [</a:t>
-            </a:r>
-            <a:r>
-              <a:rPr lang="ja-JP" altLang="en-US" sz="1400" i="0">
-                <a:solidFill>
-                  <a:srgbClr val="1A1A1C"/>
-                </a:solidFill>
-                <a:effectLst/>
-                <a:latin typeface="游ゴシック"/>
-                <a:ea typeface="游ゴシック"/>
-              </a:rPr>
-              <a:t>法令データ／法令</a:t>
-            </a:r>
-            <a:r>
-              <a:rPr lang="en-US" altLang="ja-JP" sz="1400" i="0">
-                <a:solidFill>
-                  <a:srgbClr val="1A1A1C"/>
-                </a:solidFill>
-                <a:effectLst/>
-                <a:latin typeface="游ゴシック"/>
-                <a:ea typeface="游ゴシック"/>
-              </a:rPr>
-              <a:t>API]</a:t>
-            </a:r>
-            <a:r>
-              <a:rPr lang="ja-JP" altLang="en-US" sz="1400" i="0">
-                <a:solidFill>
-                  <a:srgbClr val="1A1A1C"/>
-                </a:solidFill>
-                <a:effectLst/>
-                <a:latin typeface="游ゴシック"/>
-                <a:ea typeface="游ゴシック"/>
-              </a:rPr>
-              <a:t>を</a:t>
-            </a:r>
-            <a:r>
-              <a:rPr lang="en-US" altLang="ja-JP" sz="1400" i="0">
-                <a:solidFill>
-                  <a:srgbClr val="1A1A1C"/>
-                </a:solidFill>
-                <a:effectLst/>
-                <a:latin typeface="游ゴシック"/>
-                <a:ea typeface="游ゴシック"/>
-              </a:rPr>
-              <a:t>[</a:t>
-            </a:r>
-            <a:r>
-              <a:rPr lang="ja-JP" altLang="en-US" sz="1400" i="0">
-                <a:solidFill>
-                  <a:srgbClr val="1A1A1C"/>
-                </a:solidFill>
-                <a:effectLst/>
-                <a:latin typeface="游ゴシック"/>
-                <a:ea typeface="游ゴシック"/>
-              </a:rPr>
-              <a:t>法令データ／法令</a:t>
-            </a:r>
-            <a:r>
-              <a:rPr lang="en-US" altLang="ja-JP" sz="1400" i="0">
-                <a:solidFill>
-                  <a:srgbClr val="1A1A1C"/>
-                </a:solidFill>
-                <a:effectLst/>
-                <a:latin typeface="游ゴシック"/>
-                <a:ea typeface="游ゴシック"/>
-              </a:rPr>
-              <a:t>API</a:t>
-            </a:r>
-            <a:r>
-              <a:rPr lang="ja-JP" altLang="en-US" sz="1400" i="0">
-                <a:solidFill>
-                  <a:srgbClr val="1A1A1C"/>
-                </a:solidFill>
-                <a:effectLst/>
-                <a:latin typeface="游ゴシック"/>
-                <a:ea typeface="游ゴシック"/>
-              </a:rPr>
-              <a:t>を活用する場面・機能</a:t>
-            </a:r>
-            <a:r>
-              <a:rPr lang="en-US" altLang="ja-JP" sz="1400" i="0">
-                <a:solidFill>
-                  <a:srgbClr val="1A1A1C"/>
-                </a:solidFill>
-                <a:effectLst/>
-                <a:latin typeface="游ゴシック"/>
-                <a:ea typeface="游ゴシック"/>
-              </a:rPr>
-              <a:t>]</a:t>
-            </a:r>
-            <a:r>
-              <a:rPr lang="ja-JP" altLang="en-US" sz="1400" i="0">
-                <a:solidFill>
-                  <a:srgbClr val="1A1A1C"/>
-                </a:solidFill>
-                <a:effectLst/>
-                <a:latin typeface="游ゴシック"/>
-                <a:ea typeface="游ゴシック"/>
-              </a:rPr>
-              <a:t>において活用 。</a:t>
-            </a:r>
-            <a:endParaRPr lang="en-US" altLang="ja-JP" sz="1400" i="0">
-              <a:solidFill>
-                <a:srgbClr val="1A1A1C"/>
-              </a:solidFill>
-              <a:effectLst/>
-              <a:latin typeface="游ゴシック"/>
-              <a:ea typeface="游ゴシック"/>
-            </a:endParaRPr>
-          </a:p>
-          <a:p>
-            <a:pPr marL="742950" lvl="1" indent="-285750">
-              <a:lnSpc>
-                <a:spcPct val="100000"/>
-              </a:lnSpc>
-              <a:buFont typeface="Arial" panose="020B0604020202020204" pitchFamily="34" charset="0"/>
-              <a:buChar char="•"/>
-            </a:pPr>
-            <a:endParaRPr lang="en-US" altLang="ja-JP" sz="1400" i="0">
-              <a:solidFill>
-                <a:srgbClr val="1A1A1C"/>
-              </a:solidFill>
-              <a:effectLst/>
-              <a:latin typeface="游ゴシック" panose="020B0400000000000000" pitchFamily="50" charset="-128"/>
-              <a:ea typeface="游ゴシック" panose="020B0400000000000000" pitchFamily="50" charset="-128"/>
-            </a:endParaRPr>
-          </a:p>
-          <a:p>
-            <a:pPr marL="457200" lvl="1" indent="0" algn="l">
-              <a:buNone/>
-            </a:pPr>
-            <a:endParaRPr lang="ja-JP" altLang="en-US" sz="1400" i="0">
-              <a:solidFill>
-                <a:srgbClr val="1A1A1C"/>
-              </a:solidFill>
-              <a:effectLst/>
-              <a:latin typeface="游ゴシック" panose="020B0400000000000000" pitchFamily="50" charset="-128"/>
-              <a:ea typeface="游ゴシック" panose="020B0400000000000000" pitchFamily="50" charset="-128"/>
-            </a:endParaRPr>
-          </a:p>
-        </p:txBody>
-      </p:sp>
-      <p:sp>
-        <p:nvSpPr>
-          <p:cNvPr id="16" name="スライド番号プレースホルダー 15">
-            <a:extLst>
-              <a:ext uri="{FF2B5EF4-FFF2-40B4-BE49-F238E27FC236}">
-                <a16:creationId xmlns:a16="http://schemas.microsoft.com/office/drawing/2014/main" id="{F563D3E7-B615-8DF9-9CA7-8F74E1F16CA0}"/>
-              </a:ext>
-            </a:extLst>
-          </p:cNvPr>
-          <p:cNvSpPr>
-            <a:spLocks noGrp="1"/>
-          </p:cNvSpPr>
-          <p:nvPr>
-            <p:ph type="sldNum" sz="quarter" idx="12"/>
-          </p:nvPr>
-        </p:nvSpPr>
-        <p:spPr/>
-        <p:txBody>
-          <a:bodyPr/>
-          <a:lstStyle/>
-          <a:p>
-            <a:fld id="{0A14CB4C-3E9A-44E6-B2F0-D1DF20F35EC2}" type="slidenum">
-              <a:rPr kumimoji="1" lang="ja-JP" altLang="en-US" smtClean="0"/>
-              <a:t>2</a:t>
-            </a:fld>
-            <a:endParaRPr kumimoji="1" lang="ja-JP" altLang="en-US"/>
-          </a:p>
-        </p:txBody>
-      </p:sp>
-      <p:sp>
-        <p:nvSpPr>
-          <p:cNvPr id="5" name="コンテンツ プレースホルダー 3">
-            <a:extLst>
-              <a:ext uri="{FF2B5EF4-FFF2-40B4-BE49-F238E27FC236}">
-                <a16:creationId xmlns:a16="http://schemas.microsoft.com/office/drawing/2014/main" id="{E263CA05-9601-B10D-4C12-C35D72761505}"/>
-              </a:ext>
-            </a:extLst>
-          </p:cNvPr>
-          <p:cNvSpPr txBox="1">
-            <a:spLocks/>
-          </p:cNvSpPr>
-          <p:nvPr/>
-        </p:nvSpPr>
-        <p:spPr>
-          <a:xfrm>
-            <a:off x="5850294" y="1186656"/>
-            <a:ext cx="5710335" cy="4287499"/>
-          </a:xfrm>
-          <a:prstGeom prst="rect">
-            <a:avLst/>
-          </a:prstGeom>
-          <a:solidFill>
-            <a:schemeClr val="bg1">
-              <a:lumMod val="95000"/>
-            </a:schemeClr>
-          </a:solidFill>
-          <a:ln>
-            <a:noFill/>
-          </a:ln>
-        </p:spPr>
-        <p:txBody>
-          <a:bodyPr spcFirstLastPara="1" wrap="square" lIns="91425" tIns="45700" rIns="91425" bIns="45700" anchor="ctr" anchorCtr="0">
-            <a:normAutofit/>
-          </a:bodyPr>
-          <a:lstStyle>
-            <a:defPPr marR="0" lvl="0" algn="l" rtl="0">
-              <a:lnSpc>
-                <a:spcPct val="100000"/>
-              </a:lnSpc>
-              <a:spcBef>
-                <a:spcPts val="0"/>
-              </a:spcBef>
-              <a:spcAft>
-                <a:spcPts val="0"/>
-              </a:spcAft>
-            </a:defPPr>
-            <a:lvl1pPr marL="457200" marR="0" lvl="0" indent="-342900" algn="l" rtl="0">
-              <a:lnSpc>
-                <a:spcPct val="90000"/>
-              </a:lnSpc>
-              <a:spcBef>
-                <a:spcPts val="1000"/>
-              </a:spcBef>
-              <a:spcAft>
-                <a:spcPts val="0"/>
-              </a:spcAft>
-              <a:buClr>
-                <a:schemeClr val="dk1"/>
-              </a:buClr>
-              <a:buSzPts val="1800"/>
-              <a:buFont typeface="Arial"/>
-              <a:buChar char="•"/>
-              <a:defRPr sz="2800" b="0" i="0" u="none" strike="noStrike" cap="none">
-                <a:solidFill>
-                  <a:schemeClr val="dk1"/>
-                </a:solidFill>
-                <a:latin typeface="Arial"/>
-                <a:ea typeface="Arial"/>
-                <a:cs typeface="Arial"/>
-                <a:sym typeface="Arial"/>
-              </a:defRPr>
-            </a:lvl1pPr>
-            <a:lvl2pPr marL="914400" marR="0" lvl="1" indent="-342900" algn="l" rtl="0">
-              <a:lnSpc>
-                <a:spcPct val="90000"/>
-              </a:lnSpc>
-              <a:spcBef>
-                <a:spcPts val="500"/>
-              </a:spcBef>
-              <a:spcAft>
-                <a:spcPts val="0"/>
-              </a:spcAft>
-              <a:buClr>
-                <a:schemeClr val="dk1"/>
-              </a:buClr>
-              <a:buSzPts val="1800"/>
-              <a:buFont typeface="Arial"/>
-              <a:buChar char="•"/>
-              <a:defRPr sz="2800" b="0" i="0" u="none" strike="noStrike" cap="none">
-                <a:solidFill>
-                  <a:schemeClr val="dk1"/>
-                </a:solidFill>
-                <a:latin typeface="Arial"/>
-                <a:ea typeface="Arial"/>
-                <a:cs typeface="Arial"/>
-                <a:sym typeface="Arial"/>
-              </a:defRPr>
-            </a:lvl2pPr>
-            <a:lvl3pPr marL="1371600" marR="0" lvl="2" indent="-342900" algn="l" rtl="0">
-              <a:lnSpc>
-                <a:spcPct val="90000"/>
-              </a:lnSpc>
-              <a:spcBef>
-                <a:spcPts val="500"/>
-              </a:spcBef>
-              <a:spcAft>
-                <a:spcPts val="0"/>
-              </a:spcAft>
-              <a:buClr>
-                <a:schemeClr val="dk1"/>
-              </a:buClr>
-              <a:buSzPts val="1800"/>
-              <a:buFont typeface="Arial"/>
-              <a:buChar char="•"/>
-              <a:defRPr sz="2800" b="0" i="0" u="none" strike="noStrike" cap="none">
-                <a:solidFill>
-                  <a:schemeClr val="dk1"/>
-                </a:solidFill>
-                <a:latin typeface="Arial"/>
-                <a:ea typeface="Arial"/>
-                <a:cs typeface="Arial"/>
-                <a:sym typeface="Arial"/>
-              </a:defRPr>
-            </a:lvl3pPr>
-            <a:lvl4pPr marL="1828800" marR="0" lvl="3" indent="-342900" algn="l" rtl="0">
-              <a:lnSpc>
-                <a:spcPct val="90000"/>
-              </a:lnSpc>
-              <a:spcBef>
-                <a:spcPts val="500"/>
-              </a:spcBef>
-              <a:spcAft>
-                <a:spcPts val="0"/>
-              </a:spcAft>
-              <a:buClr>
-                <a:schemeClr val="dk1"/>
-              </a:buClr>
-              <a:buSzPts val="1800"/>
-              <a:buFont typeface="Arial"/>
-              <a:buChar char="•"/>
-              <a:defRPr sz="2800" b="0" i="0" u="none" strike="noStrike" cap="none">
-                <a:solidFill>
-                  <a:schemeClr val="dk1"/>
-                </a:solidFill>
-                <a:latin typeface="Arial"/>
-                <a:ea typeface="Arial"/>
-                <a:cs typeface="Arial"/>
-                <a:sym typeface="Arial"/>
-              </a:defRPr>
-            </a:lvl4pPr>
-            <a:lvl5pPr marL="2286000" marR="0" lvl="4" indent="-342900" algn="l" rtl="0">
-              <a:lnSpc>
-                <a:spcPct val="90000"/>
-              </a:lnSpc>
-              <a:spcBef>
-                <a:spcPts val="500"/>
-              </a:spcBef>
-              <a:spcAft>
-                <a:spcPts val="0"/>
-              </a:spcAft>
-              <a:buClr>
-                <a:schemeClr val="dk1"/>
-              </a:buClr>
-              <a:buSzPts val="1800"/>
-              <a:buFont typeface="Arial"/>
-              <a:buChar char="•"/>
-              <a:defRPr sz="2800" b="0" i="0" u="none" strike="noStrike" cap="none">
-                <a:solidFill>
-                  <a:schemeClr val="dk1"/>
-                </a:solidFill>
-                <a:latin typeface="Arial"/>
-                <a:ea typeface="Arial"/>
-                <a:cs typeface="Arial"/>
-                <a:sym typeface="Arial"/>
-              </a:defRPr>
-            </a:lvl5pPr>
-            <a:lvl6pPr marL="2743200" marR="0" lvl="5" indent="-342900" algn="l" rtl="0">
-              <a:lnSpc>
-                <a:spcPct val="90000"/>
-              </a:lnSpc>
-              <a:spcBef>
-                <a:spcPts val="500"/>
-              </a:spcBef>
-              <a:spcAft>
-                <a:spcPts val="0"/>
-              </a:spcAft>
-              <a:buClr>
-                <a:schemeClr val="dk1"/>
-              </a:buClr>
-              <a:buSzPts val="1800"/>
-              <a:buFont typeface="Arial"/>
-              <a:buChar char="•"/>
-              <a:defRPr sz="1800" b="0" i="0" u="none" strike="noStrike" cap="none">
-                <a:solidFill>
-                  <a:schemeClr val="dk1"/>
-                </a:solidFill>
-                <a:latin typeface="Arial"/>
-                <a:ea typeface="Arial"/>
-                <a:cs typeface="Arial"/>
-                <a:sym typeface="Arial"/>
-              </a:defRPr>
-            </a:lvl6pPr>
-            <a:lvl7pPr marL="3200400" marR="0" lvl="6" indent="-342900" algn="l" rtl="0">
-              <a:lnSpc>
-                <a:spcPct val="90000"/>
-              </a:lnSpc>
-              <a:spcBef>
-                <a:spcPts val="500"/>
-              </a:spcBef>
-              <a:spcAft>
-                <a:spcPts val="0"/>
-              </a:spcAft>
-              <a:buClr>
-                <a:schemeClr val="dk1"/>
-              </a:buClr>
-              <a:buSzPts val="1800"/>
-              <a:buFont typeface="Arial"/>
-              <a:buChar char="•"/>
-              <a:defRPr sz="1800" b="0" i="0" u="none" strike="noStrike" cap="none">
-                <a:solidFill>
-                  <a:schemeClr val="dk1"/>
-                </a:solidFill>
-                <a:latin typeface="Arial"/>
-                <a:ea typeface="Arial"/>
-                <a:cs typeface="Arial"/>
-                <a:sym typeface="Arial"/>
-              </a:defRPr>
-            </a:lvl7pPr>
-            <a:lvl8pPr marL="3657600" marR="0" lvl="7" indent="-342900" algn="l" rtl="0">
-              <a:lnSpc>
-                <a:spcPct val="90000"/>
-              </a:lnSpc>
-              <a:spcBef>
-                <a:spcPts val="500"/>
-              </a:spcBef>
-              <a:spcAft>
-                <a:spcPts val="0"/>
-              </a:spcAft>
-              <a:buClr>
-                <a:schemeClr val="dk1"/>
-              </a:buClr>
-              <a:buSzPts val="1800"/>
-              <a:buFont typeface="Arial"/>
-              <a:buChar char="•"/>
-              <a:defRPr sz="1800" b="0" i="0" u="none" strike="noStrike" cap="none">
-                <a:solidFill>
-                  <a:schemeClr val="dk1"/>
-                </a:solidFill>
-                <a:latin typeface="Arial"/>
-                <a:ea typeface="Arial"/>
-                <a:cs typeface="Arial"/>
-                <a:sym typeface="Arial"/>
-              </a:defRPr>
-            </a:lvl8pPr>
-            <a:lvl9pPr marL="4114800" marR="0" lvl="8" indent="-342900" algn="l" rtl="0">
-              <a:lnSpc>
-                <a:spcPct val="90000"/>
-              </a:lnSpc>
-              <a:spcBef>
-                <a:spcPts val="500"/>
-              </a:spcBef>
-              <a:spcAft>
-                <a:spcPts val="0"/>
-              </a:spcAft>
-              <a:buClr>
-                <a:schemeClr val="dk1"/>
-              </a:buClr>
-              <a:buSzPts val="1800"/>
-              <a:buFont typeface="Arial"/>
-              <a:buChar char="•"/>
-              <a:defRPr sz="1800" b="0" i="0" u="none" strike="noStrike" cap="none">
-                <a:solidFill>
-                  <a:schemeClr val="dk1"/>
-                </a:solidFill>
-                <a:latin typeface="Arial"/>
-                <a:ea typeface="Arial"/>
-                <a:cs typeface="Arial"/>
-                <a:sym typeface="Arial"/>
-              </a:defRPr>
-            </a:lvl9pPr>
-          </a:lstStyle>
-          <a:p>
-            <a:pPr marL="0" indent="0" algn="ctr">
-              <a:buFont typeface="Arial"/>
-              <a:buNone/>
-            </a:pPr>
-            <a:r>
-              <a:rPr lang="en-US" altLang="ja-JP">
-                <a:latin typeface="游ゴシック" panose="020B0400000000000000" pitchFamily="50" charset="-128"/>
-                <a:ea typeface="游ゴシック" panose="020B0400000000000000" pitchFamily="50" charset="-128"/>
-              </a:rPr>
-              <a:t>※※</a:t>
-            </a:r>
-            <a:r>
-              <a:rPr lang="ja-JP" altLang="en-US">
-                <a:latin typeface="游ゴシック" panose="020B0400000000000000" pitchFamily="50" charset="-128"/>
-                <a:ea typeface="游ゴシック" panose="020B0400000000000000" pitchFamily="50" charset="-128"/>
-              </a:rPr>
-              <a:t>こちらにスクリーンショットを１枚貼り付けてください</a:t>
-            </a:r>
-            <a:r>
-              <a:rPr lang="en-US" altLang="ja-JP">
-                <a:latin typeface="游ゴシック" panose="020B0400000000000000" pitchFamily="50" charset="-128"/>
-                <a:ea typeface="游ゴシック" panose="020B0400000000000000" pitchFamily="50" charset="-128"/>
-              </a:rPr>
-              <a:t>※※</a:t>
-            </a:r>
-            <a:endParaRPr lang="ja-JP" altLang="en-US">
-              <a:latin typeface="游ゴシック" panose="020B0400000000000000" pitchFamily="50" charset="-128"/>
-              <a:ea typeface="游ゴシック" panose="020B0400000000000000" pitchFamily="50" charset="-128"/>
-            </a:endParaRPr>
-          </a:p>
-          <a:p>
-            <a:pPr marL="0" indent="0">
-              <a:buFont typeface="Arial"/>
-              <a:buNone/>
-            </a:pPr>
-            <a:endParaRPr lang="ja-JP" altLang="en-US">
-              <a:latin typeface="游ゴシック" panose="020B0400000000000000" pitchFamily="50" charset="-128"/>
-              <a:ea typeface="游ゴシック" panose="020B0400000000000000" pitchFamily="50" charset="-128"/>
-            </a:endParaRPr>
-          </a:p>
-        </p:txBody>
-      </p:sp>
-      <p:sp>
-        <p:nvSpPr>
-          <p:cNvPr id="10" name="テキスト ボックス 9">
-            <a:extLst>
-              <a:ext uri="{FF2B5EF4-FFF2-40B4-BE49-F238E27FC236}">
-                <a16:creationId xmlns:a16="http://schemas.microsoft.com/office/drawing/2014/main" id="{C9F4B6F4-B334-D8D5-DEFF-138218258CDC}"/>
-              </a:ext>
-            </a:extLst>
-          </p:cNvPr>
-          <p:cNvSpPr txBox="1"/>
-          <p:nvPr/>
-        </p:nvSpPr>
-        <p:spPr>
-          <a:xfrm>
-            <a:off x="7009233" y="878879"/>
-            <a:ext cx="3347745" cy="307777"/>
-          </a:xfrm>
-          <a:prstGeom prst="rect">
-            <a:avLst/>
-          </a:prstGeom>
-          <a:noFill/>
-        </p:spPr>
-        <p:txBody>
-          <a:bodyPr wrap="square">
-            <a:spAutoFit/>
-          </a:bodyPr>
-          <a:lstStyle/>
-          <a:p>
-            <a:pPr marL="742950" lvl="1" indent="-285750" algn="l">
-              <a:buFont typeface="Arial" panose="020B0604020202020204" pitchFamily="34" charset="0"/>
-              <a:buChar char="•"/>
-            </a:pPr>
-            <a:r>
-              <a:rPr lang="ja-JP" altLang="en-US" b="1" i="0">
-                <a:solidFill>
-                  <a:srgbClr val="1A1A1C"/>
-                </a:solidFill>
-                <a:effectLst/>
-                <a:latin typeface="Noto Sans JP" panose="020B0200000000000000"/>
-              </a:rPr>
-              <a:t>作品の画面イメージ</a:t>
-            </a:r>
-          </a:p>
-        </p:txBody>
-      </p:sp>
-      <p:sp>
-        <p:nvSpPr>
-          <p:cNvPr id="2" name="Google Shape;92;p1">
-            <a:extLst>
-              <a:ext uri="{FF2B5EF4-FFF2-40B4-BE49-F238E27FC236}">
-                <a16:creationId xmlns:a16="http://schemas.microsoft.com/office/drawing/2014/main" id="{07F55D7E-21E4-4799-40F5-DE16750269E7}"/>
-              </a:ext>
-            </a:extLst>
-          </p:cNvPr>
-          <p:cNvSpPr/>
-          <p:nvPr/>
-        </p:nvSpPr>
-        <p:spPr>
-          <a:xfrm>
-            <a:off x="7160895" y="45020"/>
-            <a:ext cx="4857293" cy="381115"/>
-          </a:xfrm>
-          <a:prstGeom prst="rect">
-            <a:avLst/>
-          </a:prstGeom>
-          <a:noFill/>
-          <a:ln w="38100" cap="flat" cmpd="sng">
-            <a:solidFill>
-              <a:schemeClr val="accent2"/>
-            </a:solidFill>
-            <a:prstDash val="solid"/>
-            <a:miter lim="800000"/>
-            <a:headEnd type="none" w="sm" len="sm"/>
-            <a:tailEnd type="none" w="sm" len="sm"/>
-          </a:ln>
-        </p:spPr>
-        <p:txBody>
-          <a:bodyPr spcFirstLastPara="1" wrap="square" lIns="91425" tIns="45700" rIns="91425" bIns="45700" anchor="ctr" anchorCtr="0">
-            <a:noAutofit/>
-          </a:bodyPr>
-          <a:lstStyle/>
-          <a:p>
-            <a:pPr marL="0" marR="0" lvl="0" indent="0" algn="ctr" rtl="0">
-              <a:spcBef>
-                <a:spcPts val="0"/>
-              </a:spcBef>
-              <a:spcAft>
-                <a:spcPts val="0"/>
-              </a:spcAft>
-              <a:buNone/>
-            </a:pPr>
-            <a:r>
-              <a:rPr lang="ja-JP" sz="1800" b="1" i="0" u="none" strike="noStrike" cap="none">
-                <a:solidFill>
-                  <a:schemeClr val="dk1"/>
-                </a:solidFill>
-                <a:latin typeface="游ゴシック" panose="020B0400000000000000" pitchFamily="50" charset="-128"/>
-                <a:ea typeface="游ゴシック" panose="020B0400000000000000" pitchFamily="50" charset="-128"/>
-                <a:sym typeface="Arial"/>
-              </a:rPr>
-              <a:t>この</a:t>
-            </a:r>
-            <a:r>
-              <a:rPr lang="ja-JP" altLang="en-US" sz="1800" b="1" i="0" u="none" strike="noStrike" cap="none">
-                <a:solidFill>
-                  <a:schemeClr val="dk1"/>
-                </a:solidFill>
-                <a:latin typeface="游ゴシック" panose="020B0400000000000000" pitchFamily="50" charset="-128"/>
-                <a:ea typeface="游ゴシック" panose="020B0400000000000000" pitchFamily="50" charset="-128"/>
-                <a:sym typeface="Arial"/>
-              </a:rPr>
-              <a:t>スライドを複製の上、編集してください</a:t>
-            </a:r>
-            <a:endParaRPr>
-              <a:latin typeface="游ゴシック" panose="020B0400000000000000" pitchFamily="50" charset="-128"/>
-              <a:ea typeface="游ゴシック" panose="020B0400000000000000" pitchFamily="50" charset="-128"/>
-            </a:endParaRPr>
-          </a:p>
-        </p:txBody>
-      </p:sp>
-      <p:sp>
-        <p:nvSpPr>
-          <p:cNvPr id="13" name="Google Shape;92;p1">
-            <a:extLst>
-              <a:ext uri="{FF2B5EF4-FFF2-40B4-BE49-F238E27FC236}">
-                <a16:creationId xmlns:a16="http://schemas.microsoft.com/office/drawing/2014/main" id="{9985B508-3CE5-EC95-D0ED-3AD6AAF90B11}"/>
-              </a:ext>
-            </a:extLst>
-          </p:cNvPr>
-          <p:cNvSpPr/>
-          <p:nvPr/>
-        </p:nvSpPr>
-        <p:spPr>
-          <a:xfrm>
-            <a:off x="368556" y="6062662"/>
-            <a:ext cx="6392461" cy="587376"/>
-          </a:xfrm>
-          <a:prstGeom prst="rect">
-            <a:avLst/>
-          </a:prstGeom>
-          <a:noFill/>
-          <a:ln w="38100" cap="flat" cmpd="sng">
-            <a:solidFill>
-              <a:schemeClr val="accent2"/>
-            </a:solidFill>
-            <a:prstDash val="solid"/>
-            <a:miter lim="800000"/>
-            <a:headEnd type="none" w="sm" len="sm"/>
-            <a:tailEnd type="none" w="sm" len="sm"/>
-          </a:ln>
-        </p:spPr>
-        <p:txBody>
-          <a:bodyPr spcFirstLastPara="1" wrap="square" lIns="91425" tIns="45700" rIns="91425" bIns="45700" anchor="ctr" anchorCtr="0">
-            <a:noAutofit/>
-          </a:bodyPr>
-          <a:lstStyle/>
-          <a:p>
-            <a:pPr marL="0" marR="0" lvl="0" indent="0" algn="ctr" rtl="0">
-              <a:spcBef>
-                <a:spcPts val="0"/>
-              </a:spcBef>
-              <a:spcAft>
-                <a:spcPts val="0"/>
-              </a:spcAft>
-              <a:buNone/>
-            </a:pPr>
-            <a:r>
-              <a:rPr lang="ja-JP" altLang="en-US" b="1" i="0" u="none" strike="noStrike" cap="none" dirty="0">
-                <a:solidFill>
-                  <a:schemeClr val="dk1"/>
-                </a:solidFill>
-                <a:latin typeface="游ゴシック"/>
-                <a:ea typeface="游ゴシック"/>
-                <a:sym typeface="Arial"/>
-              </a:rPr>
-              <a:t>上記「作品の概要」、「社会に対する効果」、「新規性」の各項目は</a:t>
-            </a:r>
-            <a:br>
-              <a:rPr lang="en-US" altLang="ja-JP" b="1" i="0" u="none" strike="noStrike" cap="none" dirty="0">
-                <a:solidFill>
-                  <a:schemeClr val="dk1"/>
-                </a:solidFill>
-                <a:latin typeface="游ゴシック"/>
-                <a:ea typeface="游ゴシック"/>
-                <a:sym typeface="Arial"/>
-              </a:rPr>
-            </a:br>
-            <a:r>
-              <a:rPr lang="ja-JP" altLang="en-US" b="1" i="0" u="none" strike="noStrike" cap="none" dirty="0">
-                <a:solidFill>
-                  <a:schemeClr val="dk1"/>
-                </a:solidFill>
-                <a:latin typeface="游ゴシック"/>
-                <a:ea typeface="游ゴシック"/>
-                <a:sym typeface="Arial"/>
-              </a:rPr>
-              <a:t>フォントのサイズは変えずに</a:t>
-            </a:r>
-            <a:r>
-              <a:rPr lang="ja-JP" altLang="en-US" b="1" dirty="0">
-                <a:solidFill>
-                  <a:schemeClr val="dk1"/>
-                </a:solidFill>
-                <a:latin typeface="游ゴシック"/>
-                <a:ea typeface="游ゴシック"/>
-              </a:rPr>
-              <a:t>スライド</a:t>
-            </a:r>
-            <a:r>
-              <a:rPr lang="ja-JP" altLang="en-US" b="1" i="0" u="none" strike="noStrike" cap="none" dirty="0">
-                <a:solidFill>
-                  <a:schemeClr val="dk1"/>
-                </a:solidFill>
-                <a:latin typeface="游ゴシック"/>
-                <a:ea typeface="游ゴシック"/>
-                <a:sym typeface="Arial"/>
-              </a:rPr>
-              <a:t>の左半分に収まるように書いて下さい</a:t>
-            </a:r>
-            <a:endParaRPr sz="1100" dirty="0">
-              <a:solidFill>
-                <a:schemeClr val="dk1"/>
-              </a:solidFill>
-              <a:latin typeface="游ゴシック"/>
-              <a:ea typeface="游ゴシック"/>
-            </a:endParaRPr>
-          </a:p>
-        </p:txBody>
-      </p:sp>
-    </p:spTree>
-    <p:extLst>
-      <p:ext uri="{BB962C8B-B14F-4D97-AF65-F5344CB8AC3E}">
-        <p14:creationId xmlns:p14="http://schemas.microsoft.com/office/powerpoint/2010/main" val="1836443746"/>
-      </p:ext>
-    </p:extLst>
-  </p:cSld>
-  <p:clrMapOvr>
-    <a:masterClrMapping/>
-  </p:clrMapOvr>
-</p:sld>
-</file>
-
-<file path=ppt/slides/slide3.xml><?xml version="1.0" encoding="utf-8"?>
-<p:sld xmlns:a="http://schemas.openxmlformats.org/drawingml/2006/main" xmlns:r="http://schemas.openxmlformats.org/officeDocument/2006/relationships" xmlns:p="http://schemas.openxmlformats.org/presentationml/2006/main">
-  <p:cSld>
-    <p:spTree>
-      <p:nvGrpSpPr>
         <p:cNvPr id="1" name="">
           <a:extLst>
             <a:ext uri="{FF2B5EF4-FFF2-40B4-BE49-F238E27FC236}">
@@ -13605,7 +12259,7 @@
           <a:p>
             <a:fld id="{0A14CB4C-3E9A-44E6-B2F0-D1DF20F35EC2}" type="slidenum">
               <a:rPr kumimoji="1" lang="ja-JP" altLang="en-US" smtClean="0"/>
-              <a:t>3</a:t>
+              <a:t>2</a:t>
             </a:fld>
             <a:endParaRPr kumimoji="1" lang="ja-JP" altLang="en-US"/>
           </a:p>

--- a/submission/05_キャンボルベニア_XXX_02_概要一枚資料.pptx
+++ b/submission/05_キャンボルベニア_XXX_02_概要一枚資料.pptx
@@ -258,7 +258,7 @@
       </p15:sldGuideLst>
     </p:ext>
     <p:ext uri="GoogleSlidesCustomDataVersion2">
-      <go:slidesCustomData xmlns:mc="http://schemas.openxmlformats.org/markup-compatibility/2006" xmlns:mv="urn:schemas-microsoft-com:mac:vml" xmlns:c="http://schemas.openxmlformats.org/drawingml/2006/chart" xmlns:dgm="http://schemas.openxmlformats.org/drawingml/2006/diagram" xmlns:o="urn:schemas-microsoft-com:office:office" xmlns:v="urn:schemas-microsoft-com:vml" xmlns:pvml="urn:schemas-microsoft-com:office:powerpoint" xmlns:com="http://schemas.openxmlformats.org/drawingml/2006/compatibility" xmlns:p14="http://schemas.microsoft.com/office/powerpoint/2010/main" xmlns:p15="http://schemas.microsoft.com/office/powerpoint/2012/main" xmlns:ahyp="http://schemas.microsoft.com/office/drawing/2018/hyperlinkcolor" xmlns:go="http://customooxmlschemas.google.com/" xmlns="" r:id="rId19" roundtripDataSignature="AMtx7mhXupCiNgBvl1OtMgjqS8LvwBFzZg=="/>
+      <go:slidesCustomData xmlns="" xmlns:go="http://customooxmlschemas.google.com/" xmlns:ahyp="http://schemas.microsoft.com/office/drawing/2018/hyperlinkcolor" xmlns:p15="http://schemas.microsoft.com/office/powerpoint/2012/main" xmlns:p14="http://schemas.microsoft.com/office/powerpoint/2010/main" xmlns:com="http://schemas.openxmlformats.org/drawingml/2006/compatibility" xmlns:pvml="urn:schemas-microsoft-com:office:powerpoint" xmlns:v="urn:schemas-microsoft-com:vml" xmlns:o="urn:schemas-microsoft-com:office:office" xmlns:dgm="http://schemas.openxmlformats.org/drawingml/2006/diagram" xmlns:c="http://schemas.openxmlformats.org/drawingml/2006/chart" xmlns:mv="urn:schemas-microsoft-com:mac:vml" xmlns:mc="http://schemas.openxmlformats.org/markup-compatibility/2006" r:id="rId19" roundtripDataSignature="AMtx7mhXupCiNgBvl1OtMgjqS8LvwBFzZg=="/>
     </p:ext>
   </p:extLst>
 </p:presentation>
@@ -12267,331 +12267,6 @@
       </p:sp>
       <p:sp>
         <p:nvSpPr>
-          <p:cNvPr id="5" name="コンテンツ プレースホルダー 3">
-            <a:extLst>
-              <a:ext uri="{FF2B5EF4-FFF2-40B4-BE49-F238E27FC236}">
-                <a16:creationId xmlns:a16="http://schemas.microsoft.com/office/drawing/2014/main" id="{F0FD8107-0616-EE79-297A-AAC73CCA958A}"/>
-              </a:ext>
-            </a:extLst>
-          </p:cNvPr>
-          <p:cNvSpPr txBox="1">
-            <a:spLocks/>
-          </p:cNvSpPr>
-          <p:nvPr/>
-        </p:nvSpPr>
-        <p:spPr>
-          <a:xfrm>
-            <a:off x="5850294" y="1186656"/>
-            <a:ext cx="5710335" cy="4287499"/>
-          </a:xfrm>
-          <a:prstGeom prst="rect">
-            <a:avLst/>
-          </a:prstGeom>
-          <a:solidFill>
-            <a:schemeClr val="bg1">
-              <a:lumMod val="95000"/>
-            </a:schemeClr>
-          </a:solidFill>
-          <a:ln>
-            <a:noFill/>
-          </a:ln>
-        </p:spPr>
-        <p:txBody>
-          <a:bodyPr spcFirstLastPara="1" wrap="square" lIns="91425" tIns="45700" rIns="91425" bIns="45700" anchor="ctr" anchorCtr="0">
-            <a:normAutofit/>
-          </a:bodyPr>
-          <a:lstStyle>
-            <a:defPPr marR="0" lvl="0" algn="l" rtl="0">
-              <a:lnSpc>
-                <a:spcPct val="100000"/>
-              </a:lnSpc>
-              <a:spcBef>
-                <a:spcPts val="0"/>
-              </a:spcBef>
-              <a:spcAft>
-                <a:spcPts val="0"/>
-              </a:spcAft>
-            </a:defPPr>
-            <a:lvl1pPr marL="457200" marR="0" lvl="0" indent="-342900" algn="l" rtl="0">
-              <a:lnSpc>
-                <a:spcPct val="90000"/>
-              </a:lnSpc>
-              <a:spcBef>
-                <a:spcPts val="1000"/>
-              </a:spcBef>
-              <a:spcAft>
-                <a:spcPts val="0"/>
-              </a:spcAft>
-              <a:buClr>
-                <a:schemeClr val="dk1"/>
-              </a:buClr>
-              <a:buSzPts val="1800"/>
-              <a:buFont typeface="Arial"/>
-              <a:buChar char="•"/>
-              <a:defRPr sz="2800" b="0" i="0" u="none" strike="noStrike" cap="none">
-                <a:solidFill>
-                  <a:schemeClr val="dk1"/>
-                </a:solidFill>
-                <a:latin typeface="Arial"/>
-                <a:ea typeface="Arial"/>
-                <a:cs typeface="Arial"/>
-                <a:sym typeface="Arial"/>
-              </a:defRPr>
-            </a:lvl1pPr>
-            <a:lvl2pPr marL="914400" marR="0" lvl="1" indent="-342900" algn="l" rtl="0">
-              <a:lnSpc>
-                <a:spcPct val="90000"/>
-              </a:lnSpc>
-              <a:spcBef>
-                <a:spcPts val="500"/>
-              </a:spcBef>
-              <a:spcAft>
-                <a:spcPts val="0"/>
-              </a:spcAft>
-              <a:buClr>
-                <a:schemeClr val="dk1"/>
-              </a:buClr>
-              <a:buSzPts val="1800"/>
-              <a:buFont typeface="Arial"/>
-              <a:buChar char="•"/>
-              <a:defRPr sz="2800" b="0" i="0" u="none" strike="noStrike" cap="none">
-                <a:solidFill>
-                  <a:schemeClr val="dk1"/>
-                </a:solidFill>
-                <a:latin typeface="Arial"/>
-                <a:ea typeface="Arial"/>
-                <a:cs typeface="Arial"/>
-                <a:sym typeface="Arial"/>
-              </a:defRPr>
-            </a:lvl2pPr>
-            <a:lvl3pPr marL="1371600" marR="0" lvl="2" indent="-342900" algn="l" rtl="0">
-              <a:lnSpc>
-                <a:spcPct val="90000"/>
-              </a:lnSpc>
-              <a:spcBef>
-                <a:spcPts val="500"/>
-              </a:spcBef>
-              <a:spcAft>
-                <a:spcPts val="0"/>
-              </a:spcAft>
-              <a:buClr>
-                <a:schemeClr val="dk1"/>
-              </a:buClr>
-              <a:buSzPts val="1800"/>
-              <a:buFont typeface="Arial"/>
-              <a:buChar char="•"/>
-              <a:defRPr sz="2800" b="0" i="0" u="none" strike="noStrike" cap="none">
-                <a:solidFill>
-                  <a:schemeClr val="dk1"/>
-                </a:solidFill>
-                <a:latin typeface="Arial"/>
-                <a:ea typeface="Arial"/>
-                <a:cs typeface="Arial"/>
-                <a:sym typeface="Arial"/>
-              </a:defRPr>
-            </a:lvl3pPr>
-            <a:lvl4pPr marL="1828800" marR="0" lvl="3" indent="-342900" algn="l" rtl="0">
-              <a:lnSpc>
-                <a:spcPct val="90000"/>
-              </a:lnSpc>
-              <a:spcBef>
-                <a:spcPts val="500"/>
-              </a:spcBef>
-              <a:spcAft>
-                <a:spcPts val="0"/>
-              </a:spcAft>
-              <a:buClr>
-                <a:schemeClr val="dk1"/>
-              </a:buClr>
-              <a:buSzPts val="1800"/>
-              <a:buFont typeface="Arial"/>
-              <a:buChar char="•"/>
-              <a:defRPr sz="2800" b="0" i="0" u="none" strike="noStrike" cap="none">
-                <a:solidFill>
-                  <a:schemeClr val="dk1"/>
-                </a:solidFill>
-                <a:latin typeface="Arial"/>
-                <a:ea typeface="Arial"/>
-                <a:cs typeface="Arial"/>
-                <a:sym typeface="Arial"/>
-              </a:defRPr>
-            </a:lvl4pPr>
-            <a:lvl5pPr marL="2286000" marR="0" lvl="4" indent="-342900" algn="l" rtl="0">
-              <a:lnSpc>
-                <a:spcPct val="90000"/>
-              </a:lnSpc>
-              <a:spcBef>
-                <a:spcPts val="500"/>
-              </a:spcBef>
-              <a:spcAft>
-                <a:spcPts val="0"/>
-              </a:spcAft>
-              <a:buClr>
-                <a:schemeClr val="dk1"/>
-              </a:buClr>
-              <a:buSzPts val="1800"/>
-              <a:buFont typeface="Arial"/>
-              <a:buChar char="•"/>
-              <a:defRPr sz="2800" b="0" i="0" u="none" strike="noStrike" cap="none">
-                <a:solidFill>
-                  <a:schemeClr val="dk1"/>
-                </a:solidFill>
-                <a:latin typeface="Arial"/>
-                <a:ea typeface="Arial"/>
-                <a:cs typeface="Arial"/>
-                <a:sym typeface="Arial"/>
-              </a:defRPr>
-            </a:lvl5pPr>
-            <a:lvl6pPr marL="2743200" marR="0" lvl="5" indent="-342900" algn="l" rtl="0">
-              <a:lnSpc>
-                <a:spcPct val="90000"/>
-              </a:lnSpc>
-              <a:spcBef>
-                <a:spcPts val="500"/>
-              </a:spcBef>
-              <a:spcAft>
-                <a:spcPts val="0"/>
-              </a:spcAft>
-              <a:buClr>
-                <a:schemeClr val="dk1"/>
-              </a:buClr>
-              <a:buSzPts val="1800"/>
-              <a:buFont typeface="Arial"/>
-              <a:buChar char="•"/>
-              <a:defRPr sz="1800" b="0" i="0" u="none" strike="noStrike" cap="none">
-                <a:solidFill>
-                  <a:schemeClr val="dk1"/>
-                </a:solidFill>
-                <a:latin typeface="Arial"/>
-                <a:ea typeface="Arial"/>
-                <a:cs typeface="Arial"/>
-                <a:sym typeface="Arial"/>
-              </a:defRPr>
-            </a:lvl6pPr>
-            <a:lvl7pPr marL="3200400" marR="0" lvl="6" indent="-342900" algn="l" rtl="0">
-              <a:lnSpc>
-                <a:spcPct val="90000"/>
-              </a:lnSpc>
-              <a:spcBef>
-                <a:spcPts val="500"/>
-              </a:spcBef>
-              <a:spcAft>
-                <a:spcPts val="0"/>
-              </a:spcAft>
-              <a:buClr>
-                <a:schemeClr val="dk1"/>
-              </a:buClr>
-              <a:buSzPts val="1800"/>
-              <a:buFont typeface="Arial"/>
-              <a:buChar char="•"/>
-              <a:defRPr sz="1800" b="0" i="0" u="none" strike="noStrike" cap="none">
-                <a:solidFill>
-                  <a:schemeClr val="dk1"/>
-                </a:solidFill>
-                <a:latin typeface="Arial"/>
-                <a:ea typeface="Arial"/>
-                <a:cs typeface="Arial"/>
-                <a:sym typeface="Arial"/>
-              </a:defRPr>
-            </a:lvl7pPr>
-            <a:lvl8pPr marL="3657600" marR="0" lvl="7" indent="-342900" algn="l" rtl="0">
-              <a:lnSpc>
-                <a:spcPct val="90000"/>
-              </a:lnSpc>
-              <a:spcBef>
-                <a:spcPts val="500"/>
-              </a:spcBef>
-              <a:spcAft>
-                <a:spcPts val="0"/>
-              </a:spcAft>
-              <a:buClr>
-                <a:schemeClr val="dk1"/>
-              </a:buClr>
-              <a:buSzPts val="1800"/>
-              <a:buFont typeface="Arial"/>
-              <a:buChar char="•"/>
-              <a:defRPr sz="1800" b="0" i="0" u="none" strike="noStrike" cap="none">
-                <a:solidFill>
-                  <a:schemeClr val="dk1"/>
-                </a:solidFill>
-                <a:latin typeface="Arial"/>
-                <a:ea typeface="Arial"/>
-                <a:cs typeface="Arial"/>
-                <a:sym typeface="Arial"/>
-              </a:defRPr>
-            </a:lvl8pPr>
-            <a:lvl9pPr marL="4114800" marR="0" lvl="8" indent="-342900" algn="l" rtl="0">
-              <a:lnSpc>
-                <a:spcPct val="90000"/>
-              </a:lnSpc>
-              <a:spcBef>
-                <a:spcPts val="500"/>
-              </a:spcBef>
-              <a:spcAft>
-                <a:spcPts val="0"/>
-              </a:spcAft>
-              <a:buClr>
-                <a:schemeClr val="dk1"/>
-              </a:buClr>
-              <a:buSzPts val="1800"/>
-              <a:buFont typeface="Arial"/>
-              <a:buChar char="•"/>
-              <a:defRPr sz="1800" b="0" i="0" u="none" strike="noStrike" cap="none">
-                <a:solidFill>
-                  <a:schemeClr val="dk1"/>
-                </a:solidFill>
-                <a:latin typeface="Arial"/>
-                <a:ea typeface="Arial"/>
-                <a:cs typeface="Arial"/>
-                <a:sym typeface="Arial"/>
-              </a:defRPr>
-            </a:lvl9pPr>
-          </a:lstStyle>
-          <a:p>
-            <a:pPr marL="0" indent="0" algn="ctr">
-              <a:buFont typeface="Arial"/>
-              <a:buNone/>
-            </a:pPr>
-            <a:r>
-              <a:rPr lang="en-US" altLang="ja-JP">
-                <a:latin typeface="游ゴシック" panose="020B0400000000000000" pitchFamily="50" charset="-128"/>
-                <a:ea typeface="游ゴシック" panose="020B0400000000000000" pitchFamily="50" charset="-128"/>
-              </a:rPr>
-              <a:t>※※</a:t>
-            </a:r>
-            <a:r>
-              <a:rPr lang="ja-JP" altLang="en-US">
-                <a:latin typeface="游ゴシック" panose="020B0400000000000000" pitchFamily="50" charset="-128"/>
-                <a:ea typeface="游ゴシック" panose="020B0400000000000000" pitchFamily="50" charset="-128"/>
-              </a:rPr>
-              <a:t>こちらにスクリーンショットを１枚貼り付けてください</a:t>
-            </a:r>
-            <a:r>
-              <a:rPr lang="en-US" altLang="ja-JP">
-                <a:latin typeface="游ゴシック" panose="020B0400000000000000" pitchFamily="50" charset="-128"/>
-                <a:ea typeface="游ゴシック" panose="020B0400000000000000" pitchFamily="50" charset="-128"/>
-              </a:rPr>
-              <a:t>※※</a:t>
-            </a:r>
-            <a:endParaRPr lang="ja-JP" altLang="en-US">
-              <a:latin typeface="游ゴシック" panose="020B0400000000000000" pitchFamily="50" charset="-128"/>
-              <a:ea typeface="游ゴシック" panose="020B0400000000000000" pitchFamily="50" charset="-128"/>
-            </a:endParaRPr>
-          </a:p>
-          <a:p>
-            <a:pPr marL="0" indent="0">
-              <a:buFont typeface="Arial"/>
-              <a:buNone/>
-            </a:pPr>
-            <a:endParaRPr lang="ja-JP" altLang="en-US">
-              <a:latin typeface="游ゴシック" panose="020B0400000000000000" pitchFamily="50" charset="-128"/>
-              <a:ea typeface="游ゴシック" panose="020B0400000000000000" pitchFamily="50" charset="-128"/>
-            </a:endParaRPr>
-          </a:p>
-        </p:txBody>
-      </p:sp>
-      <p:sp>
-        <p:nvSpPr>
           <p:cNvPr id="10" name="テキスト ボックス 9">
             <a:extLst>
               <a:ext uri="{FF2B5EF4-FFF2-40B4-BE49-F238E27FC236}">
@@ -12635,6 +12310,36 @@
           </a:p>
         </p:txBody>
       </p:sp>
+      <p:pic>
+        <p:nvPicPr>
+          <p:cNvPr id="4" name="Picture 3" descr="A screenshot of a computer&#10;&#10;AI-generated content may be incorrect.">
+            <a:extLst>
+              <a:ext uri="{FF2B5EF4-FFF2-40B4-BE49-F238E27FC236}">
+                <a16:creationId xmlns:a16="http://schemas.microsoft.com/office/drawing/2014/main" id="{1C9598BE-4E4F-4B62-ED42-FAF94D954F3B}"/>
+              </a:ext>
+            </a:extLst>
+          </p:cNvPr>
+          <p:cNvPicPr>
+            <a:picLocks noChangeAspect="1"/>
+          </p:cNvPicPr>
+          <p:nvPr/>
+        </p:nvPicPr>
+        <p:blipFill>
+          <a:blip r:embed="rId3"/>
+          <a:stretch>
+            <a:fillRect/>
+          </a:stretch>
+        </p:blipFill>
+        <p:spPr>
+          <a:xfrm>
+            <a:off x="5668345" y="1350187"/>
+            <a:ext cx="6214574" cy="3884109"/>
+          </a:xfrm>
+          <a:prstGeom prst="rect">
+            <a:avLst/>
+          </a:prstGeom>
+        </p:spPr>
+      </p:pic>
     </p:spTree>
     <p:extLst>
       <p:ext uri="{BB962C8B-B14F-4D97-AF65-F5344CB8AC3E}">
@@ -13222,15 +12927,6 @@
 </file>
 
 <file path=customXml/item2.xml><?xml version="1.0" encoding="utf-8"?>
-<?mso-contentType ?>
-<FormTemplates xmlns="http://schemas.microsoft.com/sharepoint/v3/contenttype/forms">
-  <Display>DocumentLibraryForm</Display>
-  <Edit>DocumentLibraryForm</Edit>
-  <New>DocumentLibraryForm</New>
-</FormTemplates>
-</file>
-
-<file path=customXml/item3.xml><?xml version="1.0" encoding="utf-8"?>
 <ct:contentTypeSchema xmlns:ct="http://schemas.microsoft.com/office/2006/metadata/contentType" xmlns:ma="http://schemas.microsoft.com/office/2006/metadata/properties/metaAttributes" ct:_="" ma:_="" ma:contentTypeName="ドキュメント" ma:contentTypeID="0x01010010B7667276082546845EE48FA3034D38" ma:contentTypeVersion="15" ma:contentTypeDescription="新しいドキュメントを作成します。" ma:contentTypeScope="" ma:versionID="88d4b2f8b94d6e918a6309353f800a03">
   <xsd:schema xmlns:xsd="http://www.w3.org/2001/XMLSchema" xmlns:xs="http://www.w3.org/2001/XMLSchema" xmlns:p="http://schemas.microsoft.com/office/2006/metadata/properties" xmlns:ns2="467a5a23-3b0c-4252-b767-9056ba4584e3" xmlns:ns3="b579cac8-893f-434a-a9fb-762ea7ef6130" targetNamespace="http://schemas.microsoft.com/office/2006/metadata/properties" ma:root="true" ma:fieldsID="f62212ebdab41a5b3c8679463d3954d8" ns2:_="" ns3:_="">
     <xsd:import namespace="467a5a23-3b0c-4252-b767-9056ba4584e3"/>
@@ -13465,6 +13161,15 @@
 </ct:contentTypeSchema>
 </file>
 
+<file path=customXml/item3.xml><?xml version="1.0" encoding="utf-8"?>
+<?mso-contentType ?>
+<FormTemplates xmlns="http://schemas.microsoft.com/sharepoint/v3/contenttype/forms">
+  <Display>DocumentLibraryForm</Display>
+  <Edit>DocumentLibraryForm</Edit>
+  <New>DocumentLibraryForm</New>
+</FormTemplates>
+</file>
+
 <file path=customXml/itemProps1.xml><?xml version="1.0" encoding="utf-8"?>
 <ds:datastoreItem xmlns:ds="http://schemas.openxmlformats.org/officeDocument/2006/customXml" ds:itemID="{E4869AC1-A472-488C-82C9-D7ABE9FBEDDD}">
   <ds:schemaRefs>
@@ -13477,14 +13182,6 @@
 </file>
 
 <file path=customXml/itemProps2.xml><?xml version="1.0" encoding="utf-8"?>
-<ds:datastoreItem xmlns:ds="http://schemas.openxmlformats.org/officeDocument/2006/customXml" ds:itemID="{65E453EC-09A8-442A-B2C0-3D3DB8142F5F}">
-  <ds:schemaRefs>
-    <ds:schemaRef ds:uri="http://schemas.microsoft.com/sharepoint/v3/contenttype/forms"/>
-  </ds:schemaRefs>
-</ds:datastoreItem>
-</file>
-
-<file path=customXml/itemProps3.xml><?xml version="1.0" encoding="utf-8"?>
 <ds:datastoreItem xmlns:ds="http://schemas.openxmlformats.org/officeDocument/2006/customXml" ds:itemID="{CECB503C-A15D-44C9-B312-4481D4155FB9}">
   <ds:schemaRefs>
     <ds:schemaRef ds:uri="http://schemas.microsoft.com/office/2006/metadata/contentType"/>
@@ -13501,4 +13198,12 @@
     <ds:schemaRef ds:uri="http://schemas.microsoft.com/internal/obd"/>
   </ds:schemaRefs>
 </ds:datastoreItem>
+</file>
+
+<file path=customXml/itemProps3.xml><?xml version="1.0" encoding="utf-8"?>
+<ds:datastoreItem xmlns:ds="http://schemas.openxmlformats.org/officeDocument/2006/customXml" ds:itemID="{65E453EC-09A8-442A-B2C0-3D3DB8142F5F}">
+  <ds:schemaRefs>
+    <ds:schemaRef ds:uri="http://schemas.microsoft.com/sharepoint/v3/contenttype/forms"/>
+  </ds:schemaRefs>
+</ds:datastoreItem>
 </file>